--- a/Results/schema_060125.pptx
+++ b/Results/schema_060125.pptx
@@ -9861,7 +9861,7 @@
           <a:p>
             <a:fld id="{80FF1440-FB20-43AC-A885-455CF6238228}" type="datetimeFigureOut">
               <a:rPr lang="fr-FR" smtClean="0"/>
-              <a:t>13/01/2025</a:t>
+              <a:t>30/01/2025</a:t>
             </a:fld>
             <a:endParaRPr lang="fr-FR"/>
           </a:p>
@@ -10059,7 +10059,7 @@
           <a:p>
             <a:fld id="{80FF1440-FB20-43AC-A885-455CF6238228}" type="datetimeFigureOut">
               <a:rPr lang="fr-FR" smtClean="0"/>
-              <a:t>13/01/2025</a:t>
+              <a:t>30/01/2025</a:t>
             </a:fld>
             <a:endParaRPr lang="fr-FR"/>
           </a:p>
@@ -10267,7 +10267,7 @@
           <a:p>
             <a:fld id="{80FF1440-FB20-43AC-A885-455CF6238228}" type="datetimeFigureOut">
               <a:rPr lang="fr-FR" smtClean="0"/>
-              <a:t>13/01/2025</a:t>
+              <a:t>30/01/2025</a:t>
             </a:fld>
             <a:endParaRPr lang="fr-FR"/>
           </a:p>
@@ -10465,7 +10465,7 @@
           <a:p>
             <a:fld id="{80FF1440-FB20-43AC-A885-455CF6238228}" type="datetimeFigureOut">
               <a:rPr lang="fr-FR" smtClean="0"/>
-              <a:t>13/01/2025</a:t>
+              <a:t>30/01/2025</a:t>
             </a:fld>
             <a:endParaRPr lang="fr-FR"/>
           </a:p>
@@ -10740,7 +10740,7 @@
           <a:p>
             <a:fld id="{80FF1440-FB20-43AC-A885-455CF6238228}" type="datetimeFigureOut">
               <a:rPr lang="fr-FR" smtClean="0"/>
-              <a:t>13/01/2025</a:t>
+              <a:t>30/01/2025</a:t>
             </a:fld>
             <a:endParaRPr lang="fr-FR"/>
           </a:p>
@@ -11005,7 +11005,7 @@
           <a:p>
             <a:fld id="{80FF1440-FB20-43AC-A885-455CF6238228}" type="datetimeFigureOut">
               <a:rPr lang="fr-FR" smtClean="0"/>
-              <a:t>13/01/2025</a:t>
+              <a:t>30/01/2025</a:t>
             </a:fld>
             <a:endParaRPr lang="fr-FR"/>
           </a:p>
@@ -11417,7 +11417,7 @@
           <a:p>
             <a:fld id="{80FF1440-FB20-43AC-A885-455CF6238228}" type="datetimeFigureOut">
               <a:rPr lang="fr-FR" smtClean="0"/>
-              <a:t>13/01/2025</a:t>
+              <a:t>30/01/2025</a:t>
             </a:fld>
             <a:endParaRPr lang="fr-FR"/>
           </a:p>
@@ -11558,7 +11558,7 @@
           <a:p>
             <a:fld id="{80FF1440-FB20-43AC-A885-455CF6238228}" type="datetimeFigureOut">
               <a:rPr lang="fr-FR" smtClean="0"/>
-              <a:t>13/01/2025</a:t>
+              <a:t>30/01/2025</a:t>
             </a:fld>
             <a:endParaRPr lang="fr-FR"/>
           </a:p>
@@ -11671,7 +11671,7 @@
           <a:p>
             <a:fld id="{80FF1440-FB20-43AC-A885-455CF6238228}" type="datetimeFigureOut">
               <a:rPr lang="fr-FR" smtClean="0"/>
-              <a:t>13/01/2025</a:t>
+              <a:t>30/01/2025</a:t>
             </a:fld>
             <a:endParaRPr lang="fr-FR"/>
           </a:p>
@@ -11982,7 +11982,7 @@
           <a:p>
             <a:fld id="{80FF1440-FB20-43AC-A885-455CF6238228}" type="datetimeFigureOut">
               <a:rPr lang="fr-FR" smtClean="0"/>
-              <a:t>13/01/2025</a:t>
+              <a:t>30/01/2025</a:t>
             </a:fld>
             <a:endParaRPr lang="fr-FR"/>
           </a:p>
@@ -12270,7 +12270,7 @@
           <a:p>
             <a:fld id="{80FF1440-FB20-43AC-A885-455CF6238228}" type="datetimeFigureOut">
               <a:rPr lang="fr-FR" smtClean="0"/>
-              <a:t>13/01/2025</a:t>
+              <a:t>30/01/2025</a:t>
             </a:fld>
             <a:endParaRPr lang="fr-FR"/>
           </a:p>
@@ -12511,7 +12511,7 @@
           <a:p>
             <a:fld id="{80FF1440-FB20-43AC-A885-455CF6238228}" type="datetimeFigureOut">
               <a:rPr lang="fr-FR" smtClean="0"/>
-              <a:t>13/01/2025</a:t>
+              <a:t>30/01/2025</a:t>
             </a:fld>
             <a:endParaRPr lang="fr-FR"/>
           </a:p>
@@ -13634,7 +13634,7 @@
         </p:nvSpPr>
         <p:spPr>
           <a:xfrm rot="10035045">
-            <a:off x="3142524" y="3121577"/>
+            <a:off x="3226091" y="3424549"/>
             <a:ext cx="1241572" cy="511379"/>
           </a:xfrm>
           <a:prstGeom prst="rightArrow">
@@ -13775,7 +13775,7 @@
         </p:nvSpPr>
         <p:spPr>
           <a:xfrm>
-            <a:off x="7348527" y="1408008"/>
+            <a:off x="7678723" y="2552516"/>
             <a:ext cx="4513277" cy="523220"/>
           </a:xfrm>
           <a:prstGeom prst="rect">
@@ -13810,7 +13810,7 @@
         </p:nvSpPr>
         <p:spPr>
           <a:xfrm>
-            <a:off x="8055409" y="2020405"/>
+            <a:off x="7073664" y="740635"/>
             <a:ext cx="2623547" cy="318781"/>
           </a:xfrm>
           <a:prstGeom prst="roundRect">
@@ -13857,7 +13857,7 @@
         </p:nvSpPr>
         <p:spPr>
           <a:xfrm>
-            <a:off x="8151154" y="2027183"/>
+            <a:off x="7169409" y="747413"/>
             <a:ext cx="2446741" cy="307777"/>
           </a:xfrm>
           <a:prstGeom prst="rect">
@@ -13877,7 +13877,19 @@
             </a:r>
             <a:r>
               <a:rPr lang="en-US" sz="1400" dirty="0"/>
-              <a:t> Of Variance (A), </a:t>
+              <a:t> Of Variance </a:t>
+            </a:r>
+            <a:r>
+              <a:rPr lang="en-US" sz="1400" i="1" dirty="0">
+                <a:solidFill>
+                  <a:srgbClr val="0070C0"/>
+                </a:solidFill>
+              </a:rPr>
+              <a:t>(A)</a:t>
+            </a:r>
+            <a:r>
+              <a:rPr lang="en-US" sz="1400" dirty="0"/>
+              <a:t>, </a:t>
             </a:r>
             <a:r>
               <a:rPr lang="el-GR" sz="1400" dirty="0"/>
@@ -13885,9 +13897,21 @@
             </a:r>
             <a:r>
               <a:rPr lang="fr-FR" sz="1400" dirty="0"/>
-              <a:t>² (B)</a:t>
+              <a:t>² </a:t>
             </a:r>
-            <a:endParaRPr lang="en-US" sz="1400" dirty="0"/>
+            <a:r>
+              <a:rPr lang="fr-FR" sz="1400" dirty="0">
+                <a:solidFill>
+                  <a:srgbClr val="0070C0"/>
+                </a:solidFill>
+              </a:rPr>
+              <a:t>(B)</a:t>
+            </a:r>
+            <a:endParaRPr lang="en-US" sz="1400" dirty="0">
+              <a:solidFill>
+                <a:srgbClr val="0070C0"/>
+              </a:solidFill>
+            </a:endParaRPr>
           </a:p>
         </p:txBody>
       </p:sp>
@@ -13905,7 +13929,7 @@
         </p:nvSpPr>
         <p:spPr>
           <a:xfrm>
-            <a:off x="7678723" y="2658458"/>
+            <a:off x="7736162" y="3805013"/>
             <a:ext cx="4513277" cy="523220"/>
           </a:xfrm>
           <a:prstGeom prst="rect">
@@ -13940,7 +13964,7 @@
         </p:nvSpPr>
         <p:spPr>
           <a:xfrm>
-            <a:off x="7794074" y="3256171"/>
+            <a:off x="7851513" y="4402726"/>
             <a:ext cx="4000913" cy="318781"/>
           </a:xfrm>
           <a:prstGeom prst="roundRect">
@@ -13987,7 +14011,7 @@
         </p:nvSpPr>
         <p:spPr>
           <a:xfrm>
-            <a:off x="7839526" y="3270939"/>
+            <a:off x="7896965" y="4417494"/>
             <a:ext cx="3930228" cy="307777"/>
           </a:xfrm>
           <a:prstGeom prst="rect">
@@ -14003,7 +14027,27 @@
           <a:p>
             <a:r>
               <a:rPr lang="en-US" sz="1400" dirty="0"/>
-              <a:t>K-means (D), Group-Based Trajectory Modelling (G)</a:t>
+              <a:t>K-means </a:t>
+            </a:r>
+            <a:r>
+              <a:rPr lang="en-US" sz="1400" dirty="0">
+                <a:solidFill>
+                  <a:srgbClr val="7030A0"/>
+                </a:solidFill>
+              </a:rPr>
+              <a:t>(D)</a:t>
+            </a:r>
+            <a:r>
+              <a:rPr lang="en-US" sz="1400" dirty="0"/>
+              <a:t>, Group-Based Trajectory Modelling </a:t>
+            </a:r>
+            <a:r>
+              <a:rPr lang="en-US" sz="1400" dirty="0">
+                <a:solidFill>
+                  <a:srgbClr val="92D050"/>
+                </a:solidFill>
+              </a:rPr>
+              <a:t>(G)</a:t>
             </a:r>
           </a:p>
         </p:txBody>
@@ -14022,7 +14066,7 @@
         </p:nvSpPr>
         <p:spPr>
           <a:xfrm>
-            <a:off x="6812557" y="5190750"/>
+            <a:off x="7359511" y="1315763"/>
             <a:ext cx="4513277" cy="523220"/>
           </a:xfrm>
           <a:prstGeom prst="rect">
@@ -14057,7 +14101,7 @@
         </p:nvSpPr>
         <p:spPr>
           <a:xfrm>
-            <a:off x="7537621" y="5771257"/>
+            <a:off x="8084575" y="1896270"/>
             <a:ext cx="2623547" cy="318781"/>
           </a:xfrm>
           <a:prstGeom prst="roundRect">
@@ -14104,7 +14148,7 @@
         </p:nvSpPr>
         <p:spPr>
           <a:xfrm>
-            <a:off x="7860891" y="5769646"/>
+            <a:off x="8407845" y="1894659"/>
             <a:ext cx="2149275" cy="307777"/>
           </a:xfrm>
           <a:prstGeom prst="rect">
@@ -14120,7 +14164,15 @@
           <a:p>
             <a:r>
               <a:rPr lang="en-US" sz="1400" dirty="0"/>
-              <a:t>Latent Class Analysis (C)</a:t>
+              <a:t>Latent Class Analysis </a:t>
+            </a:r>
+            <a:r>
+              <a:rPr lang="en-US" sz="1400" dirty="0">
+                <a:solidFill>
+                  <a:srgbClr val="7030A0"/>
+                </a:solidFill>
+              </a:rPr>
+              <a:t>(C)</a:t>
             </a:r>
           </a:p>
         </p:txBody>
@@ -14139,7 +14191,7 @@
         </p:nvSpPr>
         <p:spPr>
           <a:xfrm>
-            <a:off x="2833390" y="5864317"/>
+            <a:off x="141083" y="128387"/>
             <a:ext cx="4762347" cy="523220"/>
           </a:xfrm>
           <a:prstGeom prst="rect">
@@ -14174,7 +14226,7 @@
         </p:nvSpPr>
         <p:spPr>
           <a:xfrm>
-            <a:off x="3899775" y="6440703"/>
+            <a:off x="1207468" y="704773"/>
             <a:ext cx="2623547" cy="318781"/>
           </a:xfrm>
           <a:prstGeom prst="roundRect">
@@ -14221,7 +14273,7 @@
         </p:nvSpPr>
         <p:spPr>
           <a:xfrm>
-            <a:off x="4491493" y="6439092"/>
+            <a:off x="1799186" y="703162"/>
             <a:ext cx="1542637" cy="307777"/>
           </a:xfrm>
           <a:prstGeom prst="rect">
@@ -14237,7 +14289,15 @@
           <a:p>
             <a:r>
               <a:rPr lang="en-US" sz="1400" dirty="0"/>
-              <a:t>Hidden Markov (L)</a:t>
+              <a:t>Hidden Markov </a:t>
+            </a:r>
+            <a:r>
+              <a:rPr lang="en-US" sz="1400" i="1" dirty="0">
+                <a:solidFill>
+                  <a:srgbClr val="92D050"/>
+                </a:solidFill>
+              </a:rPr>
+              <a:t>(L)</a:t>
             </a:r>
           </a:p>
         </p:txBody>
@@ -14256,8 +14316,8 @@
         </p:nvSpPr>
         <p:spPr>
           <a:xfrm>
-            <a:off x="-7076" y="3647072"/>
-            <a:ext cx="4646885" cy="738664"/>
+            <a:off x="129950" y="3249946"/>
+            <a:ext cx="3137829" cy="954107"/>
           </a:xfrm>
           <a:prstGeom prst="rect">
             <a:avLst/>
@@ -14291,7 +14351,7 @@
         </p:nvSpPr>
         <p:spPr>
           <a:xfrm>
-            <a:off x="639151" y="4416759"/>
+            <a:off x="465613" y="4345011"/>
             <a:ext cx="2623547" cy="318781"/>
           </a:xfrm>
           <a:prstGeom prst="roundRect">
@@ -14338,7 +14398,7 @@
         </p:nvSpPr>
         <p:spPr>
           <a:xfrm>
-            <a:off x="1396409" y="4415148"/>
+            <a:off x="1222871" y="4343400"/>
             <a:ext cx="1002642" cy="307777"/>
           </a:xfrm>
           <a:prstGeom prst="rect">
@@ -14354,7 +14414,15 @@
           <a:p>
             <a:r>
               <a:rPr lang="en-US" sz="1400" dirty="0"/>
-              <a:t>Mixed (F)</a:t>
+              <a:t>Mixed </a:t>
+            </a:r>
+            <a:r>
+              <a:rPr lang="en-US" sz="1400" i="1" dirty="0">
+                <a:solidFill>
+                  <a:srgbClr val="92D050"/>
+                </a:solidFill>
+              </a:rPr>
+              <a:t>(F)</a:t>
             </a:r>
           </a:p>
         </p:txBody>
@@ -14373,8 +14441,8 @@
         </p:nvSpPr>
         <p:spPr>
           <a:xfrm>
-            <a:off x="355833" y="281218"/>
-            <a:ext cx="4513277" cy="738664"/>
+            <a:off x="-37155" y="1360131"/>
+            <a:ext cx="3886003" cy="954107"/>
           </a:xfrm>
           <a:prstGeom prst="rect">
             <a:avLst/>
@@ -14408,8 +14476,8 @@
         </p:nvSpPr>
         <p:spPr>
           <a:xfrm>
-            <a:off x="1062715" y="1120253"/>
-            <a:ext cx="2623547" cy="318781"/>
+            <a:off x="556498" y="2410659"/>
+            <a:ext cx="2258916" cy="318781"/>
           </a:xfrm>
           <a:prstGeom prst="roundRect">
             <a:avLst/>
@@ -14455,8 +14523,8 @@
         </p:nvSpPr>
         <p:spPr>
           <a:xfrm>
-            <a:off x="2065494" y="1118642"/>
-            <a:ext cx="887681" cy="307777"/>
+            <a:off x="1201139" y="2424628"/>
+            <a:ext cx="1040404" cy="307777"/>
           </a:xfrm>
           <a:prstGeom prst="rect">
             <a:avLst/>
@@ -14471,7 +14539,15 @@
           <a:p>
             <a:r>
               <a:rPr lang="en-US" sz="1400" dirty="0"/>
-              <a:t>Joint (K)</a:t>
+              <a:t>Joint </a:t>
+            </a:r>
+            <a:r>
+              <a:rPr lang="en-US" sz="1400" i="1" dirty="0">
+                <a:solidFill>
+                  <a:srgbClr val="92D050"/>
+                </a:solidFill>
+              </a:rPr>
+              <a:t>(K)</a:t>
             </a:r>
           </a:p>
         </p:txBody>
@@ -14537,7 +14613,7 @@
         </p:nvSpPr>
         <p:spPr>
           <a:xfrm>
-            <a:off x="329628" y="2519522"/>
+            <a:off x="3855144" y="6344526"/>
             <a:ext cx="2623547" cy="498496"/>
           </a:xfrm>
           <a:prstGeom prst="roundRect">
@@ -14584,7 +14660,7 @@
         </p:nvSpPr>
         <p:spPr>
           <a:xfrm>
-            <a:off x="302871" y="2494797"/>
+            <a:off x="3820412" y="6357425"/>
             <a:ext cx="3092890" cy="523220"/>
           </a:xfrm>
           <a:prstGeom prst="rect">
@@ -14599,12 +14675,24 @@
           <a:lstStyle/>
           <a:p>
             <a:r>
-              <a:rPr lang="en-US" sz="1400" dirty="0" err="1"/>
+              <a:rPr lang="en-US" sz="1400" i="1" dirty="0" err="1"/>
               <a:t>AutoRegression</a:t>
             </a:r>
             <a:r>
+              <a:rPr lang="en-US" sz="1400" i="1" dirty="0"/>
+              <a:t> Integrated Moving Average </a:t>
+            </a:r>
+            <a:r>
               <a:rPr lang="en-US" sz="1400" dirty="0"/>
-              <a:t> Integrated Moving Average &amp; Cross-correlation (I)</a:t>
+              <a:t>&amp; Cross-correlation </a:t>
+            </a:r>
+            <a:r>
+              <a:rPr lang="en-US" sz="1400" dirty="0">
+                <a:solidFill>
+                  <a:srgbClr val="92D050"/>
+                </a:solidFill>
+              </a:rPr>
+              <a:t>(I)</a:t>
             </a:r>
           </a:p>
         </p:txBody>
@@ -14623,7 +14711,7 @@
         </p:nvSpPr>
         <p:spPr>
           <a:xfrm>
-            <a:off x="38706" y="1729163"/>
+            <a:off x="3531080" y="5591791"/>
             <a:ext cx="4513277" cy="738664"/>
           </a:xfrm>
           <a:prstGeom prst="rect">
@@ -14705,7 +14793,7 @@
         </p:nvSpPr>
         <p:spPr>
           <a:xfrm>
-            <a:off x="7646802" y="4196999"/>
+            <a:off x="6788590" y="5161215"/>
             <a:ext cx="4513277" cy="307777"/>
           </a:xfrm>
           <a:prstGeom prst="rect">
@@ -14740,7 +14828,7 @@
         </p:nvSpPr>
         <p:spPr>
           <a:xfrm>
-            <a:off x="8319609" y="4599454"/>
+            <a:off x="8215787" y="5486707"/>
             <a:ext cx="2623547" cy="318781"/>
           </a:xfrm>
           <a:prstGeom prst="roundRect">
@@ -14787,7 +14875,7 @@
         </p:nvSpPr>
         <p:spPr>
           <a:xfrm>
-            <a:off x="8567378" y="4606232"/>
+            <a:off x="8463556" y="5493485"/>
             <a:ext cx="2169490" cy="307777"/>
           </a:xfrm>
           <a:prstGeom prst="rect">
@@ -14803,7 +14891,15 @@
           <a:p>
             <a:r>
               <a:rPr lang="en-US" sz="1400" dirty="0"/>
-              <a:t>Dynamic Time Warping (J)</a:t>
+              <a:t>Dynamic Time Warping </a:t>
+            </a:r>
+            <a:r>
+              <a:rPr lang="en-US" sz="1400" dirty="0">
+                <a:solidFill>
+                  <a:srgbClr val="92D050"/>
+                </a:solidFill>
+              </a:rPr>
+              <a:t>(J)</a:t>
             </a:r>
           </a:p>
         </p:txBody>
@@ -14869,7 +14965,7 @@
         </p:nvSpPr>
         <p:spPr>
           <a:xfrm>
-            <a:off x="6009117" y="90933"/>
+            <a:off x="6130054" y="143885"/>
             <a:ext cx="4513277" cy="523220"/>
           </a:xfrm>
           <a:prstGeom prst="rect">
@@ -14904,7 +15000,7 @@
         </p:nvSpPr>
         <p:spPr>
           <a:xfrm>
-            <a:off x="6726976" y="627677"/>
+            <a:off x="8497173" y="3144512"/>
             <a:ext cx="2623547" cy="318781"/>
           </a:xfrm>
           <a:prstGeom prst="roundRect">
@@ -14951,7 +15047,7 @@
         </p:nvSpPr>
         <p:spPr>
           <a:xfrm>
-            <a:off x="6874077" y="626066"/>
+            <a:off x="8644274" y="3142901"/>
             <a:ext cx="2378980" cy="307777"/>
           </a:xfrm>
           <a:prstGeom prst="rect">
@@ -14967,7 +15063,15 @@
           <a:p>
             <a:r>
               <a:rPr lang="en-US" sz="1400" dirty="0"/>
-              <a:t>Latent Transition Analysis (H)</a:t>
+              <a:t>Latent Transition Analysis </a:t>
+            </a:r>
+            <a:r>
+              <a:rPr lang="en-US" sz="1400" i="1" dirty="0">
+                <a:solidFill>
+                  <a:srgbClr val="7030A0"/>
+                </a:solidFill>
+              </a:rPr>
+              <a:t>(H)</a:t>
             </a:r>
           </a:p>
         </p:txBody>
@@ -15033,7 +15137,7 @@
         </p:nvSpPr>
         <p:spPr>
           <a:xfrm>
-            <a:off x="-39144" y="5040347"/>
+            <a:off x="-52629" y="5113621"/>
             <a:ext cx="4762347" cy="523220"/>
           </a:xfrm>
           <a:prstGeom prst="rect">
@@ -15068,7 +15172,7 @@
         </p:nvSpPr>
         <p:spPr>
           <a:xfrm>
-            <a:off x="139116" y="5595563"/>
+            <a:off x="317702" y="5683397"/>
             <a:ext cx="2623547" cy="318781"/>
           </a:xfrm>
           <a:prstGeom prst="roundRect">
@@ -15115,7 +15219,7 @@
         </p:nvSpPr>
         <p:spPr>
           <a:xfrm>
-            <a:off x="257904" y="5600636"/>
+            <a:off x="436490" y="5688470"/>
             <a:ext cx="2378924" cy="307777"/>
           </a:xfrm>
           <a:prstGeom prst="rect">
@@ -15131,11 +15235,230 @@
           <a:p>
             <a:r>
               <a:rPr lang="en-US" sz="1400" dirty="0"/>
-              <a:t>Growth Mixture Modelling (E)</a:t>
+              <a:t>Growth Mixture Modelling </a:t>
+            </a:r>
+            <a:r>
+              <a:rPr lang="en-US" sz="1400" i="1" dirty="0">
+                <a:solidFill>
+                  <a:srgbClr val="92D050"/>
+                </a:solidFill>
+              </a:rPr>
+              <a:t>(E)</a:t>
             </a:r>
           </a:p>
         </p:txBody>
       </p:sp>
+      <p:sp>
+        <p:nvSpPr>
+          <p:cNvPr id="59" name="ZoneTexte 58">
+            <a:extLst>
+              <a:ext uri="{FF2B5EF4-FFF2-40B4-BE49-F238E27FC236}">
+                <a16:creationId xmlns:a16="http://schemas.microsoft.com/office/drawing/2014/main" id="{EEC11B9C-F950-45AA-9685-2407AA5446F8}"/>
+              </a:ext>
+            </a:extLst>
+          </p:cNvPr>
+          <p:cNvSpPr txBox="1"/>
+          <p:nvPr/>
+        </p:nvSpPr>
+        <p:spPr>
+          <a:xfrm>
+            <a:off x="10168569" y="6150114"/>
+            <a:ext cx="1904301" cy="707886"/>
+          </a:xfrm>
+          <a:prstGeom prst="rect">
+            <a:avLst/>
+          </a:prstGeom>
+          <a:noFill/>
+        </p:spPr>
+        <p:txBody>
+          <a:bodyPr wrap="square" rtlCol="0">
+            <a:spAutoFit/>
+          </a:bodyPr>
+          <a:lstStyle/>
+          <a:p>
+            <a:r>
+              <a:rPr lang="fr-FR" sz="1000" dirty="0" err="1"/>
+              <a:t>Comparison</a:t>
+            </a:r>
+            <a:r>
+              <a:rPr lang="fr-FR" sz="1000" dirty="0"/>
+              <a:t> </a:t>
+            </a:r>
+            <a:r>
+              <a:rPr lang="fr-FR" sz="1000" dirty="0" err="1"/>
+              <a:t>method</a:t>
+            </a:r>
+            <a:endParaRPr lang="fr-FR" sz="1000" dirty="0"/>
+          </a:p>
+          <a:p>
+            <a:r>
+              <a:rPr lang="fr-FR" sz="1000" dirty="0"/>
+              <a:t>Clustering </a:t>
+            </a:r>
+            <a:r>
+              <a:rPr lang="fr-FR" sz="1000" dirty="0" err="1"/>
+              <a:t>method</a:t>
+            </a:r>
+            <a:endParaRPr lang="fr-FR" sz="1000" dirty="0"/>
+          </a:p>
+          <a:p>
+            <a:r>
+              <a:rPr lang="fr-FR" sz="1000" dirty="0" err="1"/>
+              <a:t>Modelisation</a:t>
+            </a:r>
+            <a:r>
+              <a:rPr lang="fr-FR" sz="1000" dirty="0"/>
+              <a:t>/</a:t>
+            </a:r>
+            <a:r>
+              <a:rPr lang="fr-FR" sz="1000" dirty="0" err="1"/>
+              <a:t>prediction</a:t>
+            </a:r>
+            <a:r>
+              <a:rPr lang="fr-FR" sz="1000" dirty="0"/>
+              <a:t> </a:t>
+            </a:r>
+            <a:r>
+              <a:rPr lang="fr-FR" sz="1000" dirty="0" err="1"/>
+              <a:t>method</a:t>
+            </a:r>
+            <a:endParaRPr lang="fr-FR" sz="1000" dirty="0"/>
+          </a:p>
+          <a:p>
+            <a:r>
+              <a:rPr lang="fr-FR" sz="1000" dirty="0" err="1"/>
+              <a:t>Algorithm</a:t>
+            </a:r>
+            <a:r>
+              <a:rPr lang="fr-FR" sz="1000" dirty="0"/>
+              <a:t> vs. </a:t>
+            </a:r>
+            <a:r>
+              <a:rPr lang="fr-FR" sz="1000" i="1" dirty="0"/>
+              <a:t>model</a:t>
+            </a:r>
+          </a:p>
+        </p:txBody>
+      </p:sp>
+      <p:cxnSp>
+        <p:nvCxnSpPr>
+          <p:cNvPr id="60" name="Connecteur droit 59">
+            <a:extLst>
+              <a:ext uri="{FF2B5EF4-FFF2-40B4-BE49-F238E27FC236}">
+                <a16:creationId xmlns:a16="http://schemas.microsoft.com/office/drawing/2014/main" id="{A0E3EB04-42EF-42BF-9217-83A8DDB68998}"/>
+              </a:ext>
+            </a:extLst>
+          </p:cNvPr>
+          <p:cNvCxnSpPr>
+            <a:cxnSpLocks/>
+          </p:cNvCxnSpPr>
+          <p:nvPr/>
+        </p:nvCxnSpPr>
+        <p:spPr>
+          <a:xfrm>
+            <a:off x="10076291" y="6278356"/>
+            <a:ext cx="92278" cy="0"/>
+          </a:xfrm>
+          <a:prstGeom prst="line">
+            <a:avLst/>
+          </a:prstGeom>
+        </p:spPr>
+        <p:style>
+          <a:lnRef idx="3">
+            <a:schemeClr val="accent1"/>
+          </a:lnRef>
+          <a:fillRef idx="0">
+            <a:schemeClr val="accent1"/>
+          </a:fillRef>
+          <a:effectRef idx="2">
+            <a:schemeClr val="accent1"/>
+          </a:effectRef>
+          <a:fontRef idx="minor">
+            <a:schemeClr val="tx1"/>
+          </a:fontRef>
+        </p:style>
+      </p:cxnSp>
+      <p:cxnSp>
+        <p:nvCxnSpPr>
+          <p:cNvPr id="61" name="Connecteur droit 60">
+            <a:extLst>
+              <a:ext uri="{FF2B5EF4-FFF2-40B4-BE49-F238E27FC236}">
+                <a16:creationId xmlns:a16="http://schemas.microsoft.com/office/drawing/2014/main" id="{DA693E67-89D7-4EC0-8C84-13EA40CA961D}"/>
+              </a:ext>
+            </a:extLst>
+          </p:cNvPr>
+          <p:cNvCxnSpPr>
+            <a:cxnSpLocks/>
+          </p:cNvCxnSpPr>
+          <p:nvPr/>
+        </p:nvCxnSpPr>
+        <p:spPr>
+          <a:xfrm>
+            <a:off x="10080485" y="6436900"/>
+            <a:ext cx="92278" cy="0"/>
+          </a:xfrm>
+          <a:prstGeom prst="line">
+            <a:avLst/>
+          </a:prstGeom>
+          <a:ln>
+            <a:solidFill>
+              <a:srgbClr val="7030A0"/>
+            </a:solidFill>
+          </a:ln>
+        </p:spPr>
+        <p:style>
+          <a:lnRef idx="3">
+            <a:schemeClr val="accent1"/>
+          </a:lnRef>
+          <a:fillRef idx="0">
+            <a:schemeClr val="accent1"/>
+          </a:fillRef>
+          <a:effectRef idx="2">
+            <a:schemeClr val="accent1"/>
+          </a:effectRef>
+          <a:fontRef idx="minor">
+            <a:schemeClr val="tx1"/>
+          </a:fontRef>
+        </p:style>
+      </p:cxnSp>
+      <p:cxnSp>
+        <p:nvCxnSpPr>
+          <p:cNvPr id="62" name="Connecteur droit 61">
+            <a:extLst>
+              <a:ext uri="{FF2B5EF4-FFF2-40B4-BE49-F238E27FC236}">
+                <a16:creationId xmlns:a16="http://schemas.microsoft.com/office/drawing/2014/main" id="{53F17603-F975-4D6D-967F-B78DA8E35C49}"/>
+              </a:ext>
+            </a:extLst>
+          </p:cNvPr>
+          <p:cNvCxnSpPr>
+            <a:cxnSpLocks/>
+          </p:cNvCxnSpPr>
+          <p:nvPr/>
+        </p:nvCxnSpPr>
+        <p:spPr>
+          <a:xfrm>
+            <a:off x="10080485" y="6599934"/>
+            <a:ext cx="92278" cy="0"/>
+          </a:xfrm>
+          <a:prstGeom prst="line">
+            <a:avLst/>
+          </a:prstGeom>
+        </p:spPr>
+        <p:style>
+          <a:lnRef idx="3">
+            <a:schemeClr val="accent6"/>
+          </a:lnRef>
+          <a:fillRef idx="0">
+            <a:schemeClr val="accent6"/>
+          </a:fillRef>
+          <a:effectRef idx="2">
+            <a:schemeClr val="accent6"/>
+          </a:effectRef>
+          <a:fontRef idx="minor">
+            <a:schemeClr val="tx1"/>
+          </a:fontRef>
+        </p:style>
+      </p:cxnSp>
     </p:spTree>
     <p:extLst>
       <p:ext uri="{BB962C8B-B14F-4D97-AF65-F5344CB8AC3E}">
@@ -15179,7 +15502,7 @@
           <p:nvPr>
             <p:extLst>
               <p:ext uri="{D42A27DB-BD31-4B8C-83A1-F6EECF244321}">
-                <p14:modId xmlns:p14="http://schemas.microsoft.com/office/powerpoint/2010/main" val="276950443"/>
+                <p14:modId xmlns:p14="http://schemas.microsoft.com/office/powerpoint/2010/main" val="2285969350"/>
               </p:ext>
             </p:extLst>
           </p:nvPr>
@@ -15252,7 +15575,7 @@
         </p:nvSpPr>
         <p:spPr>
           <a:xfrm>
-            <a:off x="10419126" y="2046525"/>
+            <a:off x="10385570" y="2046525"/>
             <a:ext cx="822121" cy="949743"/>
           </a:xfrm>
           <a:prstGeom prst="roundRect">
@@ -15306,7 +15629,7 @@
         </p:nvSpPr>
         <p:spPr>
           <a:xfrm>
-            <a:off x="10633044" y="2098054"/>
+            <a:off x="10591099" y="2098054"/>
             <a:ext cx="394283" cy="861774"/>
           </a:xfrm>
           <a:prstGeom prst="rect">
@@ -15321,31 +15644,51 @@
           <a:lstStyle/>
           <a:p>
             <a:r>
-              <a:rPr lang="en-US" sz="1000" dirty="0"/>
+              <a:rPr lang="en-US" sz="1000" dirty="0">
+                <a:solidFill>
+                  <a:srgbClr val="7030A0"/>
+                </a:solidFill>
+              </a:rPr>
               <a:t>(D)</a:t>
             </a:r>
           </a:p>
           <a:p>
             <a:r>
-              <a:rPr lang="en-US" sz="1000" dirty="0"/>
+              <a:rPr lang="en-US" sz="1000" i="1" dirty="0">
+                <a:solidFill>
+                  <a:srgbClr val="92D050"/>
+                </a:solidFill>
+              </a:rPr>
               <a:t>(E)</a:t>
             </a:r>
           </a:p>
           <a:p>
             <a:r>
-              <a:rPr lang="en-US" sz="1000" dirty="0"/>
+              <a:rPr lang="en-US" sz="1000" i="1" dirty="0">
+                <a:solidFill>
+                  <a:srgbClr val="92D050"/>
+                </a:solidFill>
+              </a:rPr>
               <a:t>(F)</a:t>
             </a:r>
           </a:p>
           <a:p>
             <a:r>
-              <a:rPr lang="en-US" sz="1000" dirty="0"/>
+              <a:rPr lang="en-US" sz="1000" dirty="0">
+                <a:solidFill>
+                  <a:srgbClr val="92D050"/>
+                </a:solidFill>
+              </a:rPr>
               <a:t>(G)</a:t>
             </a:r>
           </a:p>
           <a:p>
             <a:r>
-              <a:rPr lang="en-US" sz="1000" dirty="0"/>
+              <a:rPr lang="en-US" sz="1000" i="1" dirty="0">
+                <a:solidFill>
+                  <a:srgbClr val="7030A0"/>
+                </a:solidFill>
+              </a:rPr>
               <a:t>(H)</a:t>
             </a:r>
           </a:p>
@@ -15365,7 +15708,7 @@
         </p:nvSpPr>
         <p:spPr>
           <a:xfrm>
-            <a:off x="10419126" y="3372725"/>
+            <a:off x="10385570" y="3372725"/>
             <a:ext cx="822121" cy="949743"/>
           </a:xfrm>
           <a:prstGeom prst="roundRect">
@@ -15419,7 +15762,7 @@
         </p:nvSpPr>
         <p:spPr>
           <a:xfrm>
-            <a:off x="10633044" y="3567577"/>
+            <a:off x="10591099" y="3567577"/>
             <a:ext cx="394283" cy="400110"/>
           </a:xfrm>
           <a:prstGeom prst="rect">
@@ -15434,13 +15777,21 @@
           <a:lstStyle/>
           <a:p>
             <a:r>
-              <a:rPr lang="en-US" sz="1000" dirty="0"/>
+              <a:rPr lang="en-US" sz="1000" i="1" dirty="0">
+                <a:solidFill>
+                  <a:srgbClr val="92D050"/>
+                </a:solidFill>
+              </a:rPr>
               <a:t>(I)</a:t>
             </a:r>
           </a:p>
           <a:p>
             <a:r>
-              <a:rPr lang="en-US" sz="1000" dirty="0"/>
+              <a:rPr lang="en-US" sz="1000" dirty="0">
+                <a:solidFill>
+                  <a:srgbClr val="92D050"/>
+                </a:solidFill>
+              </a:rPr>
               <a:t>(J)</a:t>
             </a:r>
           </a:p>
@@ -15460,7 +15811,7 @@
         </p:nvSpPr>
         <p:spPr>
           <a:xfrm>
-            <a:off x="10419126" y="4675076"/>
+            <a:off x="10385570" y="4675076"/>
             <a:ext cx="822121" cy="949743"/>
           </a:xfrm>
           <a:prstGeom prst="roundRect">
@@ -15512,7 +15863,7 @@
         </p:nvSpPr>
         <p:spPr>
           <a:xfrm>
-            <a:off x="10679183" y="4975059"/>
+            <a:off x="10595293" y="4975059"/>
             <a:ext cx="394283" cy="400110"/>
           </a:xfrm>
           <a:prstGeom prst="rect">
@@ -15527,13 +15878,21 @@
           <a:lstStyle/>
           <a:p>
             <a:r>
-              <a:rPr lang="en-US" sz="1000" dirty="0"/>
+              <a:rPr lang="en-US" sz="1000" i="1" dirty="0">
+                <a:solidFill>
+                  <a:srgbClr val="92D050"/>
+                </a:solidFill>
+              </a:rPr>
               <a:t>(K)</a:t>
             </a:r>
           </a:p>
           <a:p>
             <a:r>
-              <a:rPr lang="en-US" sz="1000" dirty="0"/>
+              <a:rPr lang="en-US" sz="1000" i="1" dirty="0">
+                <a:solidFill>
+                  <a:srgbClr val="92D050"/>
+                </a:solidFill>
+              </a:rPr>
               <a:t>(L)</a:t>
             </a:r>
           </a:p>
@@ -15568,24 +15927,251 @@
           <a:lstStyle/>
           <a:p>
             <a:r>
-              <a:rPr lang="en-US" sz="1000" dirty="0"/>
+              <a:rPr lang="en-US" sz="1000" i="1" dirty="0">
+                <a:solidFill>
+                  <a:schemeClr val="accent5">
+                    <a:lumMod val="75000"/>
+                  </a:schemeClr>
+                </a:solidFill>
+              </a:rPr>
               <a:t>(A)</a:t>
             </a:r>
           </a:p>
           <a:p>
             <a:r>
-              <a:rPr lang="en-US" sz="1000" dirty="0"/>
+              <a:rPr lang="en-US" sz="1000" dirty="0">
+                <a:solidFill>
+                  <a:schemeClr val="accent5">
+                    <a:lumMod val="75000"/>
+                  </a:schemeClr>
+                </a:solidFill>
+              </a:rPr>
               <a:t>(B)</a:t>
             </a:r>
           </a:p>
           <a:p>
             <a:r>
-              <a:rPr lang="en-US" sz="1000" dirty="0"/>
+              <a:rPr lang="en-US" sz="1000" dirty="0">
+                <a:solidFill>
+                  <a:srgbClr val="7030A0"/>
+                </a:solidFill>
+              </a:rPr>
               <a:t>(C)</a:t>
             </a:r>
           </a:p>
         </p:txBody>
       </p:sp>
+      <p:sp>
+        <p:nvSpPr>
+          <p:cNvPr id="2" name="ZoneTexte 1">
+            <a:extLst>
+              <a:ext uri="{FF2B5EF4-FFF2-40B4-BE49-F238E27FC236}">
+                <a16:creationId xmlns:a16="http://schemas.microsoft.com/office/drawing/2014/main" id="{F69C242E-51A1-4938-A0FD-B62174145ABD}"/>
+              </a:ext>
+            </a:extLst>
+          </p:cNvPr>
+          <p:cNvSpPr txBox="1"/>
+          <p:nvPr/>
+        </p:nvSpPr>
+        <p:spPr>
+          <a:xfrm>
+            <a:off x="4546832" y="5936998"/>
+            <a:ext cx="1904301" cy="707886"/>
+          </a:xfrm>
+          <a:prstGeom prst="rect">
+            <a:avLst/>
+          </a:prstGeom>
+          <a:noFill/>
+        </p:spPr>
+        <p:txBody>
+          <a:bodyPr wrap="square" rtlCol="0">
+            <a:spAutoFit/>
+          </a:bodyPr>
+          <a:lstStyle/>
+          <a:p>
+            <a:r>
+              <a:rPr lang="fr-FR" sz="1000" dirty="0" err="1"/>
+              <a:t>Comparison</a:t>
+            </a:r>
+            <a:r>
+              <a:rPr lang="fr-FR" sz="1000" dirty="0"/>
+              <a:t> </a:t>
+            </a:r>
+            <a:r>
+              <a:rPr lang="fr-FR" sz="1000" dirty="0" err="1"/>
+              <a:t>method</a:t>
+            </a:r>
+            <a:endParaRPr lang="fr-FR" sz="1000" dirty="0"/>
+          </a:p>
+          <a:p>
+            <a:r>
+              <a:rPr lang="fr-FR" sz="1000" dirty="0"/>
+              <a:t>Clustering </a:t>
+            </a:r>
+            <a:r>
+              <a:rPr lang="fr-FR" sz="1000" dirty="0" err="1"/>
+              <a:t>method</a:t>
+            </a:r>
+            <a:endParaRPr lang="fr-FR" sz="1000" dirty="0"/>
+          </a:p>
+          <a:p>
+            <a:r>
+              <a:rPr lang="fr-FR" sz="1000" dirty="0" err="1"/>
+              <a:t>Modelisation</a:t>
+            </a:r>
+            <a:r>
+              <a:rPr lang="fr-FR" sz="1000" dirty="0"/>
+              <a:t>/</a:t>
+            </a:r>
+            <a:r>
+              <a:rPr lang="fr-FR" sz="1000" dirty="0" err="1"/>
+              <a:t>prediction</a:t>
+            </a:r>
+            <a:r>
+              <a:rPr lang="fr-FR" sz="1000" dirty="0"/>
+              <a:t> </a:t>
+            </a:r>
+            <a:r>
+              <a:rPr lang="fr-FR" sz="1000" dirty="0" err="1"/>
+              <a:t>method</a:t>
+            </a:r>
+            <a:endParaRPr lang="fr-FR" sz="1000" dirty="0"/>
+          </a:p>
+          <a:p>
+            <a:r>
+              <a:rPr lang="fr-FR" sz="1000" dirty="0" err="1"/>
+              <a:t>Algorithm</a:t>
+            </a:r>
+            <a:r>
+              <a:rPr lang="fr-FR" sz="1000" dirty="0"/>
+              <a:t> vs. </a:t>
+            </a:r>
+            <a:r>
+              <a:rPr lang="fr-FR" sz="1000" i="1" dirty="0"/>
+              <a:t>model</a:t>
+            </a:r>
+          </a:p>
+        </p:txBody>
+      </p:sp>
+      <p:cxnSp>
+        <p:nvCxnSpPr>
+          <p:cNvPr id="6" name="Connecteur droit 5">
+            <a:extLst>
+              <a:ext uri="{FF2B5EF4-FFF2-40B4-BE49-F238E27FC236}">
+                <a16:creationId xmlns:a16="http://schemas.microsoft.com/office/drawing/2014/main" id="{77E186C9-CDEA-4D1F-892D-9AAAEC4AE27A}"/>
+              </a:ext>
+            </a:extLst>
+          </p:cNvPr>
+          <p:cNvCxnSpPr>
+            <a:cxnSpLocks/>
+          </p:cNvCxnSpPr>
+          <p:nvPr/>
+        </p:nvCxnSpPr>
+        <p:spPr>
+          <a:xfrm>
+            <a:off x="4454554" y="6065240"/>
+            <a:ext cx="92278" cy="0"/>
+          </a:xfrm>
+          <a:prstGeom prst="line">
+            <a:avLst/>
+          </a:prstGeom>
+        </p:spPr>
+        <p:style>
+          <a:lnRef idx="3">
+            <a:schemeClr val="accent1"/>
+          </a:lnRef>
+          <a:fillRef idx="0">
+            <a:schemeClr val="accent1"/>
+          </a:fillRef>
+          <a:effectRef idx="2">
+            <a:schemeClr val="accent1"/>
+          </a:effectRef>
+          <a:fontRef idx="minor">
+            <a:schemeClr val="tx1"/>
+          </a:fontRef>
+        </p:style>
+      </p:cxnSp>
+      <p:cxnSp>
+        <p:nvCxnSpPr>
+          <p:cNvPr id="16" name="Connecteur droit 15">
+            <a:extLst>
+              <a:ext uri="{FF2B5EF4-FFF2-40B4-BE49-F238E27FC236}">
+                <a16:creationId xmlns:a16="http://schemas.microsoft.com/office/drawing/2014/main" id="{36A0C626-BD17-4B24-8F5A-01EBB6BF9D40}"/>
+              </a:ext>
+            </a:extLst>
+          </p:cNvPr>
+          <p:cNvCxnSpPr>
+            <a:cxnSpLocks/>
+          </p:cNvCxnSpPr>
+          <p:nvPr/>
+        </p:nvCxnSpPr>
+        <p:spPr>
+          <a:xfrm>
+            <a:off x="4458748" y="6223784"/>
+            <a:ext cx="92278" cy="0"/>
+          </a:xfrm>
+          <a:prstGeom prst="line">
+            <a:avLst/>
+          </a:prstGeom>
+          <a:ln>
+            <a:solidFill>
+              <a:srgbClr val="7030A0"/>
+            </a:solidFill>
+          </a:ln>
+        </p:spPr>
+        <p:style>
+          <a:lnRef idx="3">
+            <a:schemeClr val="accent1"/>
+          </a:lnRef>
+          <a:fillRef idx="0">
+            <a:schemeClr val="accent1"/>
+          </a:fillRef>
+          <a:effectRef idx="2">
+            <a:schemeClr val="accent1"/>
+          </a:effectRef>
+          <a:fontRef idx="minor">
+            <a:schemeClr val="tx1"/>
+          </a:fontRef>
+        </p:style>
+      </p:cxnSp>
+      <p:cxnSp>
+        <p:nvCxnSpPr>
+          <p:cNvPr id="17" name="Connecteur droit 16">
+            <a:extLst>
+              <a:ext uri="{FF2B5EF4-FFF2-40B4-BE49-F238E27FC236}">
+                <a16:creationId xmlns:a16="http://schemas.microsoft.com/office/drawing/2014/main" id="{CA4C3061-331C-4794-8200-70B13007904B}"/>
+              </a:ext>
+            </a:extLst>
+          </p:cNvPr>
+          <p:cNvCxnSpPr>
+            <a:cxnSpLocks/>
+          </p:cNvCxnSpPr>
+          <p:nvPr/>
+        </p:nvCxnSpPr>
+        <p:spPr>
+          <a:xfrm>
+            <a:off x="4458748" y="6386818"/>
+            <a:ext cx="92278" cy="0"/>
+          </a:xfrm>
+          <a:prstGeom prst="line">
+            <a:avLst/>
+          </a:prstGeom>
+        </p:spPr>
+        <p:style>
+          <a:lnRef idx="3">
+            <a:schemeClr val="accent6"/>
+          </a:lnRef>
+          <a:fillRef idx="0">
+            <a:schemeClr val="accent6"/>
+          </a:fillRef>
+          <a:effectRef idx="2">
+            <a:schemeClr val="accent6"/>
+          </a:effectRef>
+          <a:fontRef idx="minor">
+            <a:schemeClr val="tx1"/>
+          </a:fontRef>
+        </p:style>
+      </p:cxnSp>
     </p:spTree>
     <p:extLst>
       <p:ext uri="{BB962C8B-B14F-4D97-AF65-F5344CB8AC3E}">

--- a/Results/schema_060125.pptx
+++ b/Results/schema_060125.pptx
@@ -16217,7 +16217,7 @@
           <p:nvPr>
             <p:extLst>
               <p:ext uri="{D42A27DB-BD31-4B8C-83A1-F6EECF244321}">
-                <p14:modId xmlns:p14="http://schemas.microsoft.com/office/powerpoint/2010/main" val="3802572235"/>
+                <p14:modId xmlns:p14="http://schemas.microsoft.com/office/powerpoint/2010/main" val="1048933717"/>
               </p:ext>
             </p:extLst>
           </p:nvPr>
@@ -16302,10 +16302,9 @@
                     <a:p>
                       <a:pPr algn="ctr"/>
                       <a:r>
-                        <a:rPr lang="fr-FR" b="1" dirty="0" err="1"/>
+                        <a:rPr lang="en-US" b="1" noProof="0" dirty="0"/>
                         <a:t>Quality</a:t>
                       </a:r>
-                      <a:endParaRPr lang="fr-FR" b="1" dirty="0"/>
                     </a:p>
                   </a:txBody>
                   <a:tcPr anchor="ctr"/>
@@ -16317,10 +16316,9 @@
                     <a:p>
                       <a:pPr algn="ctr"/>
                       <a:r>
-                        <a:rPr lang="fr-FR" b="1" dirty="0" err="1"/>
+                        <a:rPr lang="en-US" b="1" noProof="0" dirty="0"/>
                         <a:t>Quantity</a:t>
                       </a:r>
-                      <a:endParaRPr lang="fr-FR" b="1" dirty="0"/>
                     </a:p>
                   </a:txBody>
                   <a:tcPr anchor="ctr"/>
@@ -16364,7 +16362,7 @@
                     <a:p>
                       <a:pPr algn="ctr"/>
                       <a:r>
-                        <a:rPr lang="fr-FR" dirty="0" err="1"/>
+                        <a:rPr lang="en-US" noProof="0" dirty="0"/>
                         <a:t>Medical</a:t>
                       </a:r>
                       <a:r>
@@ -16372,7 +16370,7 @@
                         <a:t> data (</a:t>
                       </a:r>
                       <a:r>
-                        <a:rPr lang="fr-FR" dirty="0" err="1"/>
+                        <a:rPr lang="en-US" noProof="0" dirty="0"/>
                         <a:t>history</a:t>
                       </a:r>
                       <a:r>
@@ -16380,7 +16378,7 @@
                         <a:t> or follow-up </a:t>
                       </a:r>
                       <a:r>
-                        <a:rPr lang="fr-FR" dirty="0" err="1"/>
+                        <a:rPr lang="en-US" noProof="0" dirty="0"/>
                         <a:t>visits</a:t>
                       </a:r>
                       <a:r>
@@ -16430,7 +16428,7 @@
                         <a:t>Ordinal, nominal, </a:t>
                       </a:r>
                       <a:r>
-                        <a:rPr lang="fr-FR" dirty="0" err="1"/>
+                        <a:rPr lang="en-US" noProof="0" dirty="0"/>
                         <a:t>continuous</a:t>
                       </a:r>
                       <a:r>
@@ -16438,10 +16436,9 @@
                         <a:t>, </a:t>
                       </a:r>
                       <a:r>
-                        <a:rPr lang="fr-FR" dirty="0" err="1"/>
+                        <a:rPr lang="en-US" noProof="0" dirty="0"/>
                         <a:t>discrete</a:t>
                       </a:r>
-                      <a:endParaRPr lang="fr-FR" dirty="0"/>
                     </a:p>
                   </a:txBody>
                   <a:tcPr anchor="ctr"/>
@@ -16475,7 +16472,7 @@
                         <a:t>CRF (Case Report </a:t>
                       </a:r>
                       <a:r>
-                        <a:rPr lang="fr-FR" dirty="0" err="1"/>
+                        <a:rPr lang="en-US" noProof="0" dirty="0"/>
                         <a:t>Form</a:t>
                       </a:r>
                       <a:r>
@@ -16497,7 +16494,7 @@
                         <a:t>Medium: </a:t>
                       </a:r>
                       <a:r>
-                        <a:rPr lang="fr-FR" dirty="0" err="1"/>
+                        <a:rPr lang="en-US" noProof="0" dirty="0"/>
                         <a:t>missing</a:t>
                       </a:r>
                       <a:r>
@@ -16505,7 +16502,7 @@
                         <a:t> data, </a:t>
                       </a:r>
                       <a:r>
-                        <a:rPr lang="fr-FR" dirty="0" err="1"/>
+                        <a:rPr lang="en-US" noProof="0" dirty="0"/>
                         <a:t>specific</a:t>
                       </a:r>
                       <a:r>
@@ -16513,10 +16510,9 @@
                         <a:t> questions, </a:t>
                       </a:r>
                       <a:r>
-                        <a:rPr lang="fr-FR" dirty="0" err="1"/>
+                        <a:rPr lang="en-US" noProof="0" dirty="0"/>
                         <a:t>errors</a:t>
                       </a:r>
-                      <a:endParaRPr lang="fr-FR" dirty="0"/>
                     </a:p>
                   </a:txBody>
                   <a:tcPr anchor="ctr"/>
@@ -16532,7 +16528,7 @@
                         <a:t>Medium: </a:t>
                       </a:r>
                       <a:r>
-                        <a:rPr lang="fr-FR" dirty="0" err="1"/>
+                        <a:rPr lang="en-US" noProof="0" dirty="0"/>
                         <a:t>missing</a:t>
                       </a:r>
                       <a:r>
@@ -16554,7 +16550,7 @@
                         <a:t>Ordinal, nominal, </a:t>
                       </a:r>
                       <a:r>
-                        <a:rPr lang="fr-FR" dirty="0" err="1"/>
+                        <a:rPr lang="en-US" noProof="0" dirty="0"/>
                         <a:t>discrete</a:t>
                       </a:r>
                       <a:r>
@@ -16562,10 +16558,9 @@
                         <a:t>, </a:t>
                       </a:r>
                       <a:r>
-                        <a:rPr lang="fr-FR" dirty="0" err="1"/>
+                        <a:rPr lang="en-US" noProof="0" dirty="0"/>
                         <a:t>continuous</a:t>
                       </a:r>
-                      <a:endParaRPr lang="fr-FR" dirty="0"/>
                     </a:p>
                   </a:txBody>
                   <a:tcPr anchor="ctr"/>
@@ -16595,7 +16590,7 @@
                     <a:p>
                       <a:pPr algn="ctr"/>
                       <a:r>
-                        <a:rPr lang="fr-FR" dirty="0" err="1"/>
+                        <a:rPr lang="en-US" noProof="0" dirty="0"/>
                         <a:t>Connected</a:t>
                       </a:r>
                       <a:r>
@@ -16603,10 +16598,9 @@
                         <a:t> </a:t>
                       </a:r>
                       <a:r>
-                        <a:rPr lang="fr-FR" dirty="0" err="1"/>
+                        <a:rPr lang="en-US" noProof="0" dirty="0"/>
                         <a:t>device</a:t>
                       </a:r>
-                      <a:endParaRPr lang="fr-FR" dirty="0"/>
                     </a:p>
                   </a:txBody>
                   <a:tcPr anchor="ctr"/>
@@ -16632,7 +16626,7 @@
                     <a:p>
                       <a:pPr algn="ctr"/>
                       <a:r>
-                        <a:rPr lang="fr-FR" dirty="0" err="1"/>
+                        <a:rPr lang="en-US" noProof="0" dirty="0"/>
                         <a:t>Decreased</a:t>
                       </a:r>
                       <a:r>
@@ -16650,7 +16644,7 @@
                     <a:p>
                       <a:pPr algn="ctr"/>
                       <a:r>
-                        <a:rPr lang="fr-FR" dirty="0" err="1"/>
+                        <a:rPr lang="en-US" noProof="0" dirty="0"/>
                         <a:t>Continuous</a:t>
                       </a:r>
                       <a:r>
@@ -16658,10 +16652,9 @@
                         <a:t>, </a:t>
                       </a:r>
                       <a:r>
-                        <a:rPr lang="fr-FR" dirty="0" err="1"/>
+                        <a:rPr lang="en-US" noProof="0" dirty="0"/>
                         <a:t>discrete</a:t>
                       </a:r>
-                      <a:endParaRPr lang="fr-FR" dirty="0"/>
                     </a:p>
                   </a:txBody>
                   <a:tcPr anchor="ctr"/>
@@ -16709,7 +16702,7 @@
                         <a:t>Good: </a:t>
                       </a:r>
                       <a:r>
-                        <a:rPr lang="fr-FR" dirty="0" err="1"/>
+                        <a:rPr lang="en-US" noProof="0" dirty="0"/>
                         <a:t>specific</a:t>
                       </a:r>
                       <a:r>
@@ -16717,7 +16710,7 @@
                         <a:t> questions but </a:t>
                       </a:r>
                       <a:r>
-                        <a:rPr lang="fr-FR" dirty="0" err="1"/>
+                        <a:rPr lang="en-US" noProof="0" dirty="0"/>
                         <a:t>they</a:t>
                       </a:r>
                       <a:r>
@@ -16725,7 +16718,7 @@
                         <a:t> all have a </a:t>
                       </a:r>
                       <a:r>
-                        <a:rPr lang="fr-FR" dirty="0" err="1"/>
+                        <a:rPr lang="en-US" noProof="0" dirty="0"/>
                         <a:t>mandatory</a:t>
                       </a:r>
                       <a:r>
@@ -16733,7 +16726,7 @@
                         <a:t> </a:t>
                       </a:r>
                       <a:r>
-                        <a:rPr lang="fr-FR" dirty="0" err="1"/>
+                        <a:rPr lang="en-US" noProof="0" dirty="0"/>
                         <a:t>answer</a:t>
                       </a:r>
                       <a:r>
@@ -16785,7 +16778,7 @@
                         <a:t>Ordinal, nominal, </a:t>
                       </a:r>
                       <a:r>
-                        <a:rPr lang="fr-FR" dirty="0" err="1"/>
+                        <a:rPr lang="en-US" noProof="0" dirty="0"/>
                         <a:t>discrete</a:t>
                       </a:r>
                       <a:r>
@@ -16793,10 +16786,9 @@
                         <a:t>, </a:t>
                       </a:r>
                       <a:r>
-                        <a:rPr lang="fr-FR" dirty="0" err="1"/>
+                        <a:rPr lang="en-US" noProof="0" dirty="0"/>
                         <a:t>continuous</a:t>
                       </a:r>
-                      <a:endParaRPr lang="fr-FR" dirty="0"/>
                     </a:p>
                   </a:txBody>
                   <a:tcPr anchor="ctr"/>

--- a/Results/schema_060125.pptx
+++ b/Results/schema_060125.pptx
@@ -1734,10 +1734,9 @@
             <a:t> </a:t>
           </a:r>
           <a:r>
-            <a:rPr lang="fr-FR" dirty="0" err="1"/>
+            <a:rPr lang="en-US" noProof="0" dirty="0"/>
             <a:t>measurements</a:t>
           </a:r>
-          <a:endParaRPr lang="fr-FR" dirty="0"/>
         </a:p>
       </dgm:t>
     </dgm:pt>
@@ -1980,10 +1979,9 @@
             <a:t>Time </a:t>
           </a:r>
           <a:r>
-            <a:rPr lang="fr-FR" dirty="0" err="1"/>
+            <a:rPr lang="en-US" noProof="0" dirty="0"/>
             <a:t>series</a:t>
           </a:r>
-          <a:endParaRPr lang="fr-FR" dirty="0"/>
         </a:p>
       </dgm:t>
     </dgm:pt>
@@ -1999,47 +1997,6 @@
       </dgm:t>
     </dgm:pt>
     <dgm:pt modelId="{F8100CD2-E380-444C-B5BB-57A0B971CBFA}" type="sibTrans" cxnId="{D41CA495-75B3-482A-9D9E-329786B61670}">
-      <dgm:prSet/>
-      <dgm:spPr/>
-      <dgm:t>
-        <a:bodyPr/>
-        <a:lstStyle/>
-        <a:p>
-          <a:endParaRPr lang="fr-FR"/>
-        </a:p>
-      </dgm:t>
-    </dgm:pt>
-    <dgm:pt modelId="{85F68B11-2668-4AA9-A9E4-6A7AB73312E3}">
-      <dgm:prSet phldrT="[Texte]"/>
-      <dgm:spPr/>
-      <dgm:t>
-        <a:bodyPr/>
-        <a:lstStyle/>
-        <a:p>
-          <a:r>
-            <a:rPr lang="fr-FR" dirty="0"/>
-            <a:t>DTW: </a:t>
-          </a:r>
-          <a:r>
-            <a:rPr lang="en-US" noProof="0" dirty="0"/>
-            <a:t>categorical and numerical data from medical data, questionnaires, connected device, interview, ….</a:t>
-          </a:r>
-          <a:endParaRPr lang="fr-FR" dirty="0"/>
-        </a:p>
-      </dgm:t>
-    </dgm:pt>
-    <dgm:pt modelId="{640855FA-2F19-481E-99BC-71C31104D800}" type="parTrans" cxnId="{9595C6B6-AF0C-4792-AECC-C705502E14B8}">
-      <dgm:prSet/>
-      <dgm:spPr/>
-      <dgm:t>
-        <a:bodyPr/>
-        <a:lstStyle/>
-        <a:p>
-          <a:endParaRPr lang="fr-FR"/>
-        </a:p>
-      </dgm:t>
-    </dgm:pt>
-    <dgm:pt modelId="{C33FC50A-7EF2-4FA5-A715-35B724239326}" type="sibTrans" cxnId="{9595C6B6-AF0C-4792-AECC-C705502E14B8}">
       <dgm:prSet/>
       <dgm:spPr/>
       <dgm:t>
@@ -2234,42 +2191,6 @@
         </a:p>
       </dgm:t>
     </dgm:pt>
-    <dgm:pt modelId="{AAA8ECC3-ED19-4C38-AF41-287D998230E0}">
-      <dgm:prSet phldrT="[Texte]"/>
-      <dgm:spPr/>
-      <dgm:t>
-        <a:bodyPr/>
-        <a:lstStyle/>
-        <a:p>
-          <a:r>
-            <a:rPr lang="en-US" noProof="0" dirty="0"/>
-            <a:t>LTA: data categorical from medical data, questionnaires, interview, ….</a:t>
-          </a:r>
-        </a:p>
-      </dgm:t>
-    </dgm:pt>
-    <dgm:pt modelId="{2EC950F1-0C66-44E2-A879-399CE2479BA2}" type="parTrans" cxnId="{65652C11-8766-44BE-B37F-B2F90E148E91}">
-      <dgm:prSet/>
-      <dgm:spPr/>
-      <dgm:t>
-        <a:bodyPr/>
-        <a:lstStyle/>
-        <a:p>
-          <a:endParaRPr lang="fr-FR"/>
-        </a:p>
-      </dgm:t>
-    </dgm:pt>
-    <dgm:pt modelId="{EF1D3306-D7E4-45B2-9E2C-BE91FC39CDBA}" type="sibTrans" cxnId="{65652C11-8766-44BE-B37F-B2F90E148E91}">
-      <dgm:prSet/>
-      <dgm:spPr/>
-      <dgm:t>
-        <a:bodyPr/>
-        <a:lstStyle/>
-        <a:p>
-          <a:endParaRPr lang="fr-FR"/>
-        </a:p>
-      </dgm:t>
-    </dgm:pt>
     <dgm:pt modelId="{BB8AAFC0-D32A-4923-9C4E-51CC71D07D02}">
       <dgm:prSet phldrT="[Texte]"/>
       <dgm:spPr/>
@@ -2318,7 +2239,7 @@
         <a:lstStyle/>
         <a:p>
           <a:r>
-            <a:rPr lang="fr-FR" dirty="0" err="1"/>
+            <a:rPr lang="en-US" noProof="0" dirty="0"/>
             <a:t>Hidden</a:t>
           </a:r>
           <a:r>
@@ -2385,6 +2306,42 @@
       </dgm:t>
     </dgm:pt>
     <dgm:pt modelId="{26EE9A65-5160-4A1F-A444-6BF10CAC310D}" type="sibTrans" cxnId="{79AF086D-1A2B-4CE9-A6CF-4DA5F48BB3B8}">
+      <dgm:prSet/>
+      <dgm:spPr/>
+      <dgm:t>
+        <a:bodyPr/>
+        <a:lstStyle/>
+        <a:p>
+          <a:endParaRPr lang="fr-FR"/>
+        </a:p>
+      </dgm:t>
+    </dgm:pt>
+    <dgm:pt modelId="{01136B5C-B81F-4D85-A4CC-3B8FB875E6C9}">
+      <dgm:prSet phldrT="[Texte]"/>
+      <dgm:spPr/>
+      <dgm:t>
+        <a:bodyPr/>
+        <a:lstStyle/>
+        <a:p>
+          <a:r>
+            <a:rPr lang="en-US" noProof="0" dirty="0"/>
+            <a:t>LTA: data categorical from medical data, questionnaires, interview, ….</a:t>
+          </a:r>
+        </a:p>
+      </dgm:t>
+    </dgm:pt>
+    <dgm:pt modelId="{B290E3C9-FC3F-4F0A-93FD-2485D11B53A3}" type="parTrans" cxnId="{C81EE7F6-9FC7-49BA-A190-77CDC4F9E5F0}">
+      <dgm:prSet/>
+      <dgm:spPr/>
+      <dgm:t>
+        <a:bodyPr/>
+        <a:lstStyle/>
+        <a:p>
+          <a:endParaRPr lang="fr-FR"/>
+        </a:p>
+      </dgm:t>
+    </dgm:pt>
+    <dgm:pt modelId="{AEDB0273-B7D8-48D1-B7E6-2757A85AA47D}" type="sibTrans" cxnId="{C81EE7F6-9FC7-49BA-A190-77CDC4F9E5F0}">
       <dgm:prSet/>
       <dgm:spPr/>
       <dgm:t>
@@ -2504,37 +2461,35 @@
   </dgm:ptLst>
   <dgm:cxnLst>
     <dgm:cxn modelId="{933BE70E-5274-4DEC-B766-DE485011FB48}" type="presOf" srcId="{EBEE917D-ADD7-41DB-8636-A2EF1DF0E080}" destId="{FB128194-8B20-4330-85D6-20BE6BF6B817}" srcOrd="0" destOrd="0" presId="urn:microsoft.com/office/officeart/2005/8/layout/chevron2"/>
-    <dgm:cxn modelId="{65652C11-8766-44BE-B37F-B2F90E148E91}" srcId="{746E5DA3-37A2-41F9-8E2B-3E7545E960F7}" destId="{AAA8ECC3-ED19-4C38-AF41-287D998230E0}" srcOrd="4" destOrd="0" parTransId="{2EC950F1-0C66-44E2-A879-399CE2479BA2}" sibTransId="{EF1D3306-D7E4-45B2-9E2C-BE91FC39CDBA}"/>
     <dgm:cxn modelId="{AD266B12-DC58-41D5-8591-B0EE262E7450}" srcId="{DD6E2A74-F9C7-444E-94AE-6C12906959B0}" destId="{89508084-0C8B-4F20-B079-E7C58F60DEE9}" srcOrd="1" destOrd="0" parTransId="{EE4C868E-1A73-4DBF-AF2E-3D9B77135129}" sibTransId="{1532328F-75ED-4909-BDD1-7F5E03639B9E}"/>
-    <dgm:cxn modelId="{0B5E641D-2CF3-4BB6-A32D-6C63E4DD535A}" srcId="{746E5DA3-37A2-41F9-8E2B-3E7545E960F7}" destId="{07DFA5F2-0040-4A05-B4F5-8217279FF545}" srcOrd="1" destOrd="0" parTransId="{D0EB4B41-F62C-40C5-A466-0F5F933FC05D}" sibTransId="{D4EC0F90-A00E-4098-86FF-C1F6A7760716}"/>
+    <dgm:cxn modelId="{0B5E641D-2CF3-4BB6-A32D-6C63E4DD535A}" srcId="{746E5DA3-37A2-41F9-8E2B-3E7545E960F7}" destId="{07DFA5F2-0040-4A05-B4F5-8217279FF545}" srcOrd="2" destOrd="0" parTransId="{D0EB4B41-F62C-40C5-A466-0F5F933FC05D}" sibTransId="{D4EC0F90-A00E-4098-86FF-C1F6A7760716}"/>
     <dgm:cxn modelId="{3BFCEA1E-D0FD-4ED6-A352-5BD97228F3DE}" type="presOf" srcId="{26C1287F-1DC6-4A0D-A37A-662925D65921}" destId="{FB128194-8B20-4330-85D6-20BE6BF6B817}" srcOrd="0" destOrd="1" presId="urn:microsoft.com/office/officeart/2005/8/layout/chevron2"/>
     <dgm:cxn modelId="{4B96EE1F-CE11-4D50-9A17-DC12BB1B4118}" type="presOf" srcId="{89508084-0C8B-4F20-B079-E7C58F60DEE9}" destId="{3069D668-3485-4517-BE47-71EEC4F6A51F}" srcOrd="0" destOrd="1" presId="urn:microsoft.com/office/officeart/2005/8/layout/chevron2"/>
     <dgm:cxn modelId="{BF0E8F22-5120-406C-94D4-F7CBA307B990}" srcId="{94154F07-E710-40EB-8E46-8C7D8B46F48C}" destId="{88FE6F3E-B4BF-4310-BDD1-5040ADB565C9}" srcOrd="0" destOrd="0" parTransId="{AA12B33C-AEBE-4264-A6F3-F9B536861046}" sibTransId="{69DD7206-089C-4DE9-86BC-7403581C0CD5}"/>
     <dgm:cxn modelId="{1E8F5528-845C-480A-B024-86EF3D8682C8}" srcId="{88FE6F3E-B4BF-4310-BDD1-5040ADB565C9}" destId="{26C1287F-1DC6-4A0D-A37A-662925D65921}" srcOrd="1" destOrd="0" parTransId="{5F8BCD44-39D5-4EAC-8EC7-F2A95E764C29}" sibTransId="{14FA0BDF-D781-45B4-BACB-955E237B3D0E}"/>
     <dgm:cxn modelId="{16A9BB2C-FE6C-4F88-9019-3D7350348960}" type="presOf" srcId="{9B19104A-9DD5-4149-9BF3-7F323B709D22}" destId="{FB128194-8B20-4330-85D6-20BE6BF6B817}" srcOrd="0" destOrd="2" presId="urn:microsoft.com/office/officeart/2005/8/layout/chevron2"/>
     <dgm:cxn modelId="{88A39234-B14A-4C6D-B3B3-0044F96E6D1F}" type="presOf" srcId="{CBE7AE24-AE41-4715-9FDF-E69537779A4C}" destId="{EA6AFC1E-00E6-4FBF-8494-6F14A98AD97D}" srcOrd="0" destOrd="0" presId="urn:microsoft.com/office/officeart/2005/8/layout/chevron2"/>
-    <dgm:cxn modelId="{AE282769-8F2E-494D-A262-4744F83E2192}" srcId="{746E5DA3-37A2-41F9-8E2B-3E7545E960F7}" destId="{8E67F372-D674-423C-81CB-1982257C2073}" srcOrd="2" destOrd="0" parTransId="{6FCD38EC-CCC2-4E57-855C-B67B1FFB3BB6}" sibTransId="{655EB066-76D6-450E-B327-4FEE8AE60039}"/>
-    <dgm:cxn modelId="{6F49716B-6C76-4507-8B11-48935A3BE5D5}" type="presOf" srcId="{810D37BD-5528-4551-AA6C-D1F3C5EE44F1}" destId="{F92F02A1-563F-4BFD-9EF9-6C72BD1948C4}" srcOrd="0" destOrd="3" presId="urn:microsoft.com/office/officeart/2005/8/layout/chevron2"/>
+    <dgm:cxn modelId="{AE282769-8F2E-494D-A262-4744F83E2192}" srcId="{746E5DA3-37A2-41F9-8E2B-3E7545E960F7}" destId="{8E67F372-D674-423C-81CB-1982257C2073}" srcOrd="3" destOrd="0" parTransId="{6FCD38EC-CCC2-4E57-855C-B67B1FFB3BB6}" sibTransId="{655EB066-76D6-450E-B327-4FEE8AE60039}"/>
+    <dgm:cxn modelId="{6F49716B-6C76-4507-8B11-48935A3BE5D5}" type="presOf" srcId="{810D37BD-5528-4551-AA6C-D1F3C5EE44F1}" destId="{F92F02A1-563F-4BFD-9EF9-6C72BD1948C4}" srcOrd="0" destOrd="4" presId="urn:microsoft.com/office/officeart/2005/8/layout/chevron2"/>
     <dgm:cxn modelId="{79AF086D-1A2B-4CE9-A6CF-4DA5F48BB3B8}" srcId="{88FE6F3E-B4BF-4310-BDD1-5040ADB565C9}" destId="{9B19104A-9DD5-4149-9BF3-7F323B709D22}" srcOrd="2" destOrd="0" parTransId="{A802FCD8-8195-4989-90D2-3289E52A8291}" sibTransId="{26EE9A65-5160-4A1F-A444-6BF10CAC310D}"/>
     <dgm:cxn modelId="{BB49476D-2535-4B4E-BE5E-EF06A217D7F9}" type="presOf" srcId="{BB8AAFC0-D32A-4923-9C4E-51CC71D07D02}" destId="{F0B1CE37-C226-40CF-9AD8-0F9B270CAC85}" srcOrd="0" destOrd="0" presId="urn:microsoft.com/office/officeart/2005/8/layout/chevron2"/>
     <dgm:cxn modelId="{4AB19F54-90FC-4F97-8B5C-DDDC618D90F2}" type="presOf" srcId="{88FE6F3E-B4BF-4310-BDD1-5040ADB565C9}" destId="{0BC996DD-0662-42FC-B29E-B4AF62816582}" srcOrd="0" destOrd="0" presId="urn:microsoft.com/office/officeart/2005/8/layout/chevron2"/>
     <dgm:cxn modelId="{1B55EE78-416C-4B14-A81A-CE165C27D5CE}" srcId="{746E5DA3-37A2-41F9-8E2B-3E7545E960F7}" destId="{E4D863AF-BC00-4B9E-9695-7215C29CD1CB}" srcOrd="0" destOrd="0" parTransId="{0C5CE320-8263-4A64-94AC-762560AC6049}" sibTransId="{39710B95-6A2F-45F0-A2AF-4A69B805102B}"/>
     <dgm:cxn modelId="{ACF97279-A7A8-4E46-8A63-EE6D0E1D8788}" type="presOf" srcId="{E4D863AF-BC00-4B9E-9695-7215C29CD1CB}" destId="{F92F02A1-563F-4BFD-9EF9-6C72BD1948C4}" srcOrd="0" destOrd="0" presId="urn:microsoft.com/office/officeart/2005/8/layout/chevron2"/>
+    <dgm:cxn modelId="{482C567B-2803-48F4-9B1B-786C066B1FF9}" type="presOf" srcId="{01136B5C-B81F-4D85-A4CC-3B8FB875E6C9}" destId="{F92F02A1-563F-4BFD-9EF9-6C72BD1948C4}" srcOrd="0" destOrd="1" presId="urn:microsoft.com/office/officeart/2005/8/layout/chevron2"/>
     <dgm:cxn modelId="{7507807C-024E-471E-8E4B-2E95993074B7}" type="presOf" srcId="{DD6E2A74-F9C7-444E-94AE-6C12906959B0}" destId="{724F55C2-D37B-4B87-BC41-E4A605CE6705}" srcOrd="0" destOrd="0" presId="urn:microsoft.com/office/officeart/2005/8/layout/chevron2"/>
     <dgm:cxn modelId="{F3103482-A0AD-4B07-AB63-A45E3A5A0886}" type="presOf" srcId="{746E5DA3-37A2-41F9-8E2B-3E7545E960F7}" destId="{1AFD537A-FBAB-4B4D-9568-F1CEC69EDFE7}" srcOrd="0" destOrd="0" presId="urn:microsoft.com/office/officeart/2005/8/layout/chevron2"/>
     <dgm:cxn modelId="{4BED1F8C-9FBD-4448-9343-E0B61637B2D0}" srcId="{CBE7AE24-AE41-4715-9FDF-E69537779A4C}" destId="{BB8AAFC0-D32A-4923-9C4E-51CC71D07D02}" srcOrd="0" destOrd="0" parTransId="{5991B877-185D-4168-AA54-1B71D4200E31}" sibTransId="{E02C9E51-CBFB-4EA7-877C-640C8D084BB1}"/>
     <dgm:cxn modelId="{D41CA495-75B3-482A-9D9E-329786B61670}" srcId="{94154F07-E710-40EB-8E46-8C7D8B46F48C}" destId="{CBE7AE24-AE41-4715-9FDF-E69537779A4C}" srcOrd="2" destOrd="0" parTransId="{EF3BB3B3-2D79-44FE-9EBC-739B76BB1720}" sibTransId="{F8100CD2-E380-444C-B5BB-57A0B971CBFA}"/>
-    <dgm:cxn modelId="{9A74F096-086C-4B64-AE4C-FFA71A2E4401}" type="presOf" srcId="{AAA8ECC3-ED19-4C38-AF41-287D998230E0}" destId="{F92F02A1-563F-4BFD-9EF9-6C72BD1948C4}" srcOrd="0" destOrd="4" presId="urn:microsoft.com/office/officeart/2005/8/layout/chevron2"/>
-    <dgm:cxn modelId="{E272FBA6-2583-46C2-82E3-CF3BC7DB8FED}" type="presOf" srcId="{07DFA5F2-0040-4A05-B4F5-8217279FF545}" destId="{F92F02A1-563F-4BFD-9EF9-6C72BD1948C4}" srcOrd="0" destOrd="1" presId="urn:microsoft.com/office/officeart/2005/8/layout/chevron2"/>
-    <dgm:cxn modelId="{BDB133A9-44EA-4FA5-A87D-273E08544EA5}" type="presOf" srcId="{85F68B11-2668-4AA9-A9E4-6A7AB73312E3}" destId="{F0B1CE37-C226-40CF-9AD8-0F9B270CAC85}" srcOrd="0" destOrd="1" presId="urn:microsoft.com/office/officeart/2005/8/layout/chevron2"/>
-    <dgm:cxn modelId="{ADEC1DAA-FD19-405B-9DBB-FA4ABA1D8992}" type="presOf" srcId="{8E67F372-D674-423C-81CB-1982257C2073}" destId="{F92F02A1-563F-4BFD-9EF9-6C72BD1948C4}" srcOrd="0" destOrd="2" presId="urn:microsoft.com/office/officeart/2005/8/layout/chevron2"/>
+    <dgm:cxn modelId="{E272FBA6-2583-46C2-82E3-CF3BC7DB8FED}" type="presOf" srcId="{07DFA5F2-0040-4A05-B4F5-8217279FF545}" destId="{F92F02A1-563F-4BFD-9EF9-6C72BD1948C4}" srcOrd="0" destOrd="2" presId="urn:microsoft.com/office/officeart/2005/8/layout/chevron2"/>
+    <dgm:cxn modelId="{ADEC1DAA-FD19-405B-9DBB-FA4ABA1D8992}" type="presOf" srcId="{8E67F372-D674-423C-81CB-1982257C2073}" destId="{F92F02A1-563F-4BFD-9EF9-6C72BD1948C4}" srcOrd="0" destOrd="3" presId="urn:microsoft.com/office/officeart/2005/8/layout/chevron2"/>
     <dgm:cxn modelId="{333DF8AC-FB20-4BA9-B493-64880A8A8C41}" srcId="{94154F07-E710-40EB-8E46-8C7D8B46F48C}" destId="{DD6E2A74-F9C7-444E-94AE-6C12906959B0}" srcOrd="3" destOrd="0" parTransId="{9C3489A1-3ACD-4EE5-A4F8-883E7FF3C591}" sibTransId="{93C16E07-BDC1-421B-BB72-280AB9A6BB77}"/>
-    <dgm:cxn modelId="{9595C6B6-AF0C-4792-AECC-C705502E14B8}" srcId="{CBE7AE24-AE41-4715-9FDF-E69537779A4C}" destId="{85F68B11-2668-4AA9-A9E4-6A7AB73312E3}" srcOrd="1" destOrd="0" parTransId="{640855FA-2F19-481E-99BC-71C31104D800}" sibTransId="{C33FC50A-7EF2-4FA5-A715-35B724239326}"/>
     <dgm:cxn modelId="{DB5A3AC2-C4B0-4D26-A2D7-B9030631329A}" srcId="{94154F07-E710-40EB-8E46-8C7D8B46F48C}" destId="{746E5DA3-37A2-41F9-8E2B-3E7545E960F7}" srcOrd="1" destOrd="0" parTransId="{3435167C-F4C6-409B-8B64-338819B15802}" sibTransId="{2C679E8A-BF6E-463B-AC07-E4B7C02B670D}"/>
     <dgm:cxn modelId="{8FE89AD0-34E8-4DB7-BB0E-0C7532BC4001}" type="presOf" srcId="{94154F07-E710-40EB-8E46-8C7D8B46F48C}" destId="{582342A5-A902-49A9-BCC4-A9CE20EA330D}" srcOrd="0" destOrd="0" presId="urn:microsoft.com/office/officeart/2005/8/layout/chevron2"/>
     <dgm:cxn modelId="{A99662D9-7350-4EAD-B611-793E634FC89A}" type="presOf" srcId="{0C862742-6165-4FBC-AFD2-87D2383EF32C}" destId="{3069D668-3485-4517-BE47-71EEC4F6A51F}" srcOrd="0" destOrd="0" presId="urn:microsoft.com/office/officeart/2005/8/layout/chevron2"/>
     <dgm:cxn modelId="{6A536ADF-E6B2-4566-AECE-B98E0992E14D}" srcId="{DD6E2A74-F9C7-444E-94AE-6C12906959B0}" destId="{0C862742-6165-4FBC-AFD2-87D2383EF32C}" srcOrd="0" destOrd="0" parTransId="{5C5EDA4D-B999-4747-B354-17F1D861511E}" sibTransId="{BCB08312-6972-43DB-9BC5-E275573AB757}"/>
-    <dgm:cxn modelId="{C302F7F2-A2E4-41AC-AE8B-D3A49BFA848C}" srcId="{746E5DA3-37A2-41F9-8E2B-3E7545E960F7}" destId="{810D37BD-5528-4551-AA6C-D1F3C5EE44F1}" srcOrd="3" destOrd="0" parTransId="{DA1AF52D-7395-4E11-BCC6-48254C14C7E5}" sibTransId="{F9281436-AC3A-4D2B-AE60-510646C8D835}"/>
+    <dgm:cxn modelId="{C302F7F2-A2E4-41AC-AE8B-D3A49BFA848C}" srcId="{746E5DA3-37A2-41F9-8E2B-3E7545E960F7}" destId="{810D37BD-5528-4551-AA6C-D1F3C5EE44F1}" srcOrd="4" destOrd="0" parTransId="{DA1AF52D-7395-4E11-BCC6-48254C14C7E5}" sibTransId="{F9281436-AC3A-4D2B-AE60-510646C8D835}"/>
+    <dgm:cxn modelId="{C81EE7F6-9FC7-49BA-A190-77CDC4F9E5F0}" srcId="{746E5DA3-37A2-41F9-8E2B-3E7545E960F7}" destId="{01136B5C-B81F-4D85-A4CC-3B8FB875E6C9}" srcOrd="1" destOrd="0" parTransId="{B290E3C9-FC3F-4F0A-93FD-2485D11B53A3}" sibTransId="{AEDB0273-B7D8-48D1-B7E6-2757A85AA47D}"/>
     <dgm:cxn modelId="{95C788FD-7D29-448A-B1D9-750ABC49ADC9}" srcId="{88FE6F3E-B4BF-4310-BDD1-5040ADB565C9}" destId="{EBEE917D-ADD7-41DB-8636-A2EF1DF0E080}" srcOrd="0" destOrd="0" parTransId="{E675F90C-CF95-4C5D-915E-63DD1CA5714D}" sibTransId="{DCD92D80-C44A-4D63-B29F-4042034F7B9C}"/>
     <dgm:cxn modelId="{0461F7E2-C402-46B5-BDD4-2D7E832EB7E8}" type="presParOf" srcId="{582342A5-A902-49A9-BCC4-A9CE20EA330D}" destId="{51EB9D60-AED9-4ECA-BE11-15A5EDE1DA9D}" srcOrd="0" destOrd="0" presId="urn:microsoft.com/office/officeart/2005/8/layout/chevron2"/>
     <dgm:cxn modelId="{753C8765-0E3A-48BC-A075-ECB110701413}" type="presParOf" srcId="{51EB9D60-AED9-4ECA-BE11-15A5EDE1DA9D}" destId="{0BC996DD-0662-42FC-B29E-B4AF62816582}" srcOrd="0" destOrd="0" presId="urn:microsoft.com/office/officeart/2005/8/layout/chevron2"/>
@@ -3537,10 +3492,9 @@
             <a:t> </a:t>
           </a:r>
           <a:r>
-            <a:rPr lang="fr-FR" sz="1300" kern="1200" dirty="0" err="1"/>
+            <a:rPr lang="en-US" sz="1300" kern="1200" noProof="0" dirty="0"/>
             <a:t>measurements</a:t>
           </a:r>
-          <a:endParaRPr lang="fr-FR" sz="1300" kern="1200" dirty="0"/>
         </a:p>
       </dsp:txBody>
       <dsp:txXfrm rot="-5400000">
@@ -3890,6 +3844,24 @@
           </a:pPr>
           <a:r>
             <a:rPr lang="en-US" sz="1000" kern="1200" noProof="0" dirty="0"/>
+            <a:t>LTA: data categorical from medical data, questionnaires, interview, ….</a:t>
+          </a:r>
+        </a:p>
+        <a:p>
+          <a:pPr marL="57150" lvl="1" indent="-57150" algn="l" defTabSz="444500">
+            <a:lnSpc>
+              <a:spcPct val="90000"/>
+            </a:lnSpc>
+            <a:spcBef>
+              <a:spcPct val="0"/>
+            </a:spcBef>
+            <a:spcAft>
+              <a:spcPct val="15000"/>
+            </a:spcAft>
+            <a:buChar char="•"/>
+          </a:pPr>
+          <a:r>
+            <a:rPr lang="en-US" sz="1000" kern="1200" noProof="0" dirty="0"/>
             <a:t>GMM: ordinal categorical and numerical data from medical data, questionnaires, connected device, interview, ….</a:t>
           </a:r>
         </a:p>
@@ -3927,24 +3899,6 @@
           <a:r>
             <a:rPr lang="en-US" sz="1000" kern="1200" noProof="0" dirty="0"/>
             <a:t>GBTM: categorical and numerical data (with a discrete density) from medical data, questionnaires, connected device, interview, ….</a:t>
-          </a:r>
-        </a:p>
-        <a:p>
-          <a:pPr marL="57150" lvl="1" indent="-57150" algn="l" defTabSz="444500">
-            <a:lnSpc>
-              <a:spcPct val="90000"/>
-            </a:lnSpc>
-            <a:spcBef>
-              <a:spcPct val="0"/>
-            </a:spcBef>
-            <a:spcAft>
-              <a:spcPct val="15000"/>
-            </a:spcAft>
-            <a:buChar char="•"/>
-          </a:pPr>
-          <a:r>
-            <a:rPr lang="en-US" sz="1000" kern="1200" noProof="0" dirty="0"/>
-            <a:t>LTA: data categorical from medical data, questionnaires, interview, ….</a:t>
           </a:r>
         </a:p>
       </dsp:txBody>
@@ -4025,10 +3979,9 @@
             <a:t>Time </a:t>
           </a:r>
           <a:r>
-            <a:rPr lang="fr-FR" sz="1300" kern="1200" dirty="0" err="1"/>
+            <a:rPr lang="en-US" sz="1300" kern="1200" noProof="0" dirty="0"/>
             <a:t>series</a:t>
           </a:r>
-          <a:endParaRPr lang="fr-FR" sz="1300" kern="1200" dirty="0"/>
         </a:p>
       </dsp:txBody>
       <dsp:txXfrm rot="-5400000">
@@ -4110,29 +4063,6 @@
             <a:rPr lang="en-US" sz="1000" kern="1200" noProof="0" dirty="0"/>
             <a:t>Cross-correlation: numerical data from medical data or connected device, ….</a:t>
           </a:r>
-        </a:p>
-        <a:p>
-          <a:pPr marL="57150" lvl="1" indent="-57150" algn="l" defTabSz="444500">
-            <a:lnSpc>
-              <a:spcPct val="90000"/>
-            </a:lnSpc>
-            <a:spcBef>
-              <a:spcPct val="0"/>
-            </a:spcBef>
-            <a:spcAft>
-              <a:spcPct val="15000"/>
-            </a:spcAft>
-            <a:buChar char="•"/>
-          </a:pPr>
-          <a:r>
-            <a:rPr lang="fr-FR" sz="1000" kern="1200" dirty="0"/>
-            <a:t>DTW: </a:t>
-          </a:r>
-          <a:r>
-            <a:rPr lang="en-US" sz="1000" kern="1200" noProof="0" dirty="0"/>
-            <a:t>categorical and numerical data from medical data, questionnaires, connected device, interview, ….</a:t>
-          </a:r>
-          <a:endParaRPr lang="fr-FR" sz="1000" kern="1200" dirty="0"/>
         </a:p>
       </dsp:txBody>
       <dsp:txXfrm rot="-5400000">
@@ -4307,7 +4237,7 @@
             <a:buChar char="•"/>
           </a:pPr>
           <a:r>
-            <a:rPr lang="fr-FR" sz="1000" kern="1200" dirty="0" err="1"/>
+            <a:rPr lang="en-US" sz="1000" kern="1200" noProof="0" dirty="0"/>
             <a:t>Hidden</a:t>
           </a:r>
           <a:r>
@@ -9861,7 +9791,7 @@
           <a:p>
             <a:fld id="{80FF1440-FB20-43AC-A885-455CF6238228}" type="datetimeFigureOut">
               <a:rPr lang="fr-FR" smtClean="0"/>
-              <a:t>30/01/2025</a:t>
+              <a:t>06/02/2025</a:t>
             </a:fld>
             <a:endParaRPr lang="fr-FR"/>
           </a:p>
@@ -10059,7 +9989,7 @@
           <a:p>
             <a:fld id="{80FF1440-FB20-43AC-A885-455CF6238228}" type="datetimeFigureOut">
               <a:rPr lang="fr-FR" smtClean="0"/>
-              <a:t>30/01/2025</a:t>
+              <a:t>06/02/2025</a:t>
             </a:fld>
             <a:endParaRPr lang="fr-FR"/>
           </a:p>
@@ -10267,7 +10197,7 @@
           <a:p>
             <a:fld id="{80FF1440-FB20-43AC-A885-455CF6238228}" type="datetimeFigureOut">
               <a:rPr lang="fr-FR" smtClean="0"/>
-              <a:t>30/01/2025</a:t>
+              <a:t>06/02/2025</a:t>
             </a:fld>
             <a:endParaRPr lang="fr-FR"/>
           </a:p>
@@ -10465,7 +10395,7 @@
           <a:p>
             <a:fld id="{80FF1440-FB20-43AC-A885-455CF6238228}" type="datetimeFigureOut">
               <a:rPr lang="fr-FR" smtClean="0"/>
-              <a:t>30/01/2025</a:t>
+              <a:t>06/02/2025</a:t>
             </a:fld>
             <a:endParaRPr lang="fr-FR"/>
           </a:p>
@@ -10740,7 +10670,7 @@
           <a:p>
             <a:fld id="{80FF1440-FB20-43AC-A885-455CF6238228}" type="datetimeFigureOut">
               <a:rPr lang="fr-FR" smtClean="0"/>
-              <a:t>30/01/2025</a:t>
+              <a:t>06/02/2025</a:t>
             </a:fld>
             <a:endParaRPr lang="fr-FR"/>
           </a:p>
@@ -11005,7 +10935,7 @@
           <a:p>
             <a:fld id="{80FF1440-FB20-43AC-A885-455CF6238228}" type="datetimeFigureOut">
               <a:rPr lang="fr-FR" smtClean="0"/>
-              <a:t>30/01/2025</a:t>
+              <a:t>06/02/2025</a:t>
             </a:fld>
             <a:endParaRPr lang="fr-FR"/>
           </a:p>
@@ -11417,7 +11347,7 @@
           <a:p>
             <a:fld id="{80FF1440-FB20-43AC-A885-455CF6238228}" type="datetimeFigureOut">
               <a:rPr lang="fr-FR" smtClean="0"/>
-              <a:t>30/01/2025</a:t>
+              <a:t>06/02/2025</a:t>
             </a:fld>
             <a:endParaRPr lang="fr-FR"/>
           </a:p>
@@ -11558,7 +11488,7 @@
           <a:p>
             <a:fld id="{80FF1440-FB20-43AC-A885-455CF6238228}" type="datetimeFigureOut">
               <a:rPr lang="fr-FR" smtClean="0"/>
-              <a:t>30/01/2025</a:t>
+              <a:t>06/02/2025</a:t>
             </a:fld>
             <a:endParaRPr lang="fr-FR"/>
           </a:p>
@@ -11671,7 +11601,7 @@
           <a:p>
             <a:fld id="{80FF1440-FB20-43AC-A885-455CF6238228}" type="datetimeFigureOut">
               <a:rPr lang="fr-FR" smtClean="0"/>
-              <a:t>30/01/2025</a:t>
+              <a:t>06/02/2025</a:t>
             </a:fld>
             <a:endParaRPr lang="fr-FR"/>
           </a:p>
@@ -11982,7 +11912,7 @@
           <a:p>
             <a:fld id="{80FF1440-FB20-43AC-A885-455CF6238228}" type="datetimeFigureOut">
               <a:rPr lang="fr-FR" smtClean="0"/>
-              <a:t>30/01/2025</a:t>
+              <a:t>06/02/2025</a:t>
             </a:fld>
             <a:endParaRPr lang="fr-FR"/>
           </a:p>
@@ -12270,7 +12200,7 @@
           <a:p>
             <a:fld id="{80FF1440-FB20-43AC-A885-455CF6238228}" type="datetimeFigureOut">
               <a:rPr lang="fr-FR" smtClean="0"/>
-              <a:t>30/01/2025</a:t>
+              <a:t>06/02/2025</a:t>
             </a:fld>
             <a:endParaRPr lang="fr-FR"/>
           </a:p>
@@ -12511,7 +12441,7 @@
           <a:p>
             <a:fld id="{80FF1440-FB20-43AC-A885-455CF6238228}" type="datetimeFigureOut">
               <a:rPr lang="fr-FR" smtClean="0"/>
-              <a:t>30/01/2025</a:t>
+              <a:t>06/02/2025</a:t>
             </a:fld>
             <a:endParaRPr lang="fr-FR"/>
           </a:p>
@@ -13492,8 +13422,8 @@
           <p:nvPr/>
         </p:nvSpPr>
         <p:spPr>
-          <a:xfrm rot="19748411">
-            <a:off x="6167804" y="1825123"/>
+          <a:xfrm rot="20001647">
+            <a:off x="6167922" y="1925270"/>
             <a:ext cx="1241572" cy="511379"/>
           </a:xfrm>
           <a:prstGeom prst="rightArrow">
@@ -13528,10 +13458,10 @@
       </p:sp>
       <p:sp>
         <p:nvSpPr>
-          <p:cNvPr id="20" name="Flèche : droite 19">
+          <p:cNvPr id="21" name="Flèche : droite 20">
             <a:extLst>
               <a:ext uri="{FF2B5EF4-FFF2-40B4-BE49-F238E27FC236}">
-                <a16:creationId xmlns:a16="http://schemas.microsoft.com/office/drawing/2014/main" id="{EB51FD5C-FF63-41AD-A435-7BCA951FBCA4}"/>
+                <a16:creationId xmlns:a16="http://schemas.microsoft.com/office/drawing/2014/main" id="{94175157-47F2-4427-A089-74193E77A394}"/>
               </a:ext>
             </a:extLst>
           </p:cNvPr>
@@ -13539,8 +13469,8 @@
           <p:nvPr/>
         </p:nvSpPr>
         <p:spPr>
-          <a:xfrm rot="2834515">
-            <a:off x="5808729" y="4440320"/>
+          <a:xfrm rot="14476043">
+            <a:off x="3946454" y="1273916"/>
             <a:ext cx="1241572" cy="511379"/>
           </a:xfrm>
           <a:prstGeom prst="rightArrow">
@@ -13575,10 +13505,10 @@
       </p:sp>
       <p:sp>
         <p:nvSpPr>
-          <p:cNvPr id="21" name="Flèche : droite 20">
+          <p:cNvPr id="22" name="Flèche : droite 21">
             <a:extLst>
               <a:ext uri="{FF2B5EF4-FFF2-40B4-BE49-F238E27FC236}">
-                <a16:creationId xmlns:a16="http://schemas.microsoft.com/office/drawing/2014/main" id="{94175157-47F2-4427-A089-74193E77A394}"/>
+                <a16:creationId xmlns:a16="http://schemas.microsoft.com/office/drawing/2014/main" id="{286A76BB-981A-432E-A4B1-7F252E42FAD6}"/>
               </a:ext>
             </a:extLst>
           </p:cNvPr>
@@ -13586,8 +13516,8 @@
           <p:nvPr/>
         </p:nvSpPr>
         <p:spPr>
-          <a:xfrm rot="14432648">
-            <a:off x="3786629" y="1407727"/>
+          <a:xfrm rot="9654549">
+            <a:off x="3200966" y="3469083"/>
             <a:ext cx="1241572" cy="511379"/>
           </a:xfrm>
           <a:prstGeom prst="rightArrow">
@@ -13622,10 +13552,10 @@
       </p:sp>
       <p:sp>
         <p:nvSpPr>
-          <p:cNvPr id="22" name="Flèche : droite 21">
+          <p:cNvPr id="23" name="Flèche : droite 22">
             <a:extLst>
               <a:ext uri="{FF2B5EF4-FFF2-40B4-BE49-F238E27FC236}">
-                <a16:creationId xmlns:a16="http://schemas.microsoft.com/office/drawing/2014/main" id="{286A76BB-981A-432E-A4B1-7F252E42FAD6}"/>
+                <a16:creationId xmlns:a16="http://schemas.microsoft.com/office/drawing/2014/main" id="{80AE88B4-5F48-4698-9EFE-C098F99EA391}"/>
               </a:ext>
             </a:extLst>
           </p:cNvPr>
@@ -13633,8 +13563,55 @@
           <p:nvPr/>
         </p:nvSpPr>
         <p:spPr>
-          <a:xfrm rot="10035045">
-            <a:off x="3226091" y="3424549"/>
+          <a:xfrm rot="3928788">
+            <a:off x="5473277" y="4530187"/>
+            <a:ext cx="1142946" cy="511379"/>
+          </a:xfrm>
+          <a:prstGeom prst="rightArrow">
+            <a:avLst/>
+          </a:prstGeom>
+          <a:noFill/>
+        </p:spPr>
+        <p:style>
+          <a:lnRef idx="2">
+            <a:schemeClr val="accent1">
+              <a:shade val="50000"/>
+            </a:schemeClr>
+          </a:lnRef>
+          <a:fillRef idx="1">
+            <a:schemeClr val="accent1"/>
+          </a:fillRef>
+          <a:effectRef idx="0">
+            <a:schemeClr val="accent1"/>
+          </a:effectRef>
+          <a:fontRef idx="minor">
+            <a:schemeClr val="lt1"/>
+          </a:fontRef>
+        </p:style>
+        <p:txBody>
+          <a:bodyPr rtlCol="0" anchor="ctr"/>
+          <a:lstStyle/>
+          <a:p>
+            <a:pPr algn="ctr"/>
+            <a:endParaRPr lang="fr-FR" dirty="0"/>
+          </a:p>
+        </p:txBody>
+      </p:sp>
+      <p:sp>
+        <p:nvSpPr>
+          <p:cNvPr id="24" name="Flèche : droite 23">
+            <a:extLst>
+              <a:ext uri="{FF2B5EF4-FFF2-40B4-BE49-F238E27FC236}">
+                <a16:creationId xmlns:a16="http://schemas.microsoft.com/office/drawing/2014/main" id="{9C8FD404-1214-4540-A4C9-6640F9089C52}"/>
+              </a:ext>
+            </a:extLst>
+          </p:cNvPr>
+          <p:cNvSpPr/>
+          <p:nvPr/>
+        </p:nvSpPr>
+        <p:spPr>
+          <a:xfrm rot="207748">
+            <a:off x="6462460" y="2841909"/>
             <a:ext cx="1241572" cy="511379"/>
           </a:xfrm>
           <a:prstGeom prst="rightArrow">
@@ -13669,100 +13646,6 @@
       </p:sp>
       <p:sp>
         <p:nvSpPr>
-          <p:cNvPr id="23" name="Flèche : droite 22">
-            <a:extLst>
-              <a:ext uri="{FF2B5EF4-FFF2-40B4-BE49-F238E27FC236}">
-                <a16:creationId xmlns:a16="http://schemas.microsoft.com/office/drawing/2014/main" id="{80AE88B4-5F48-4698-9EFE-C098F99EA391}"/>
-              </a:ext>
-            </a:extLst>
-          </p:cNvPr>
-          <p:cNvSpPr/>
-          <p:nvPr/>
-        </p:nvSpPr>
-        <p:spPr>
-          <a:xfrm rot="5611194">
-            <a:off x="4771532" y="4739117"/>
-            <a:ext cx="1241572" cy="511379"/>
-          </a:xfrm>
-          <a:prstGeom prst="rightArrow">
-            <a:avLst/>
-          </a:prstGeom>
-          <a:noFill/>
-        </p:spPr>
-        <p:style>
-          <a:lnRef idx="2">
-            <a:schemeClr val="accent1">
-              <a:shade val="50000"/>
-            </a:schemeClr>
-          </a:lnRef>
-          <a:fillRef idx="1">
-            <a:schemeClr val="accent1"/>
-          </a:fillRef>
-          <a:effectRef idx="0">
-            <a:schemeClr val="accent1"/>
-          </a:effectRef>
-          <a:fontRef idx="minor">
-            <a:schemeClr val="lt1"/>
-          </a:fontRef>
-        </p:style>
-        <p:txBody>
-          <a:bodyPr rtlCol="0" anchor="ctr"/>
-          <a:lstStyle/>
-          <a:p>
-            <a:pPr algn="ctr"/>
-            <a:endParaRPr lang="fr-FR"/>
-          </a:p>
-        </p:txBody>
-      </p:sp>
-      <p:sp>
-        <p:nvSpPr>
-          <p:cNvPr id="24" name="Flèche : droite 23">
-            <a:extLst>
-              <a:ext uri="{FF2B5EF4-FFF2-40B4-BE49-F238E27FC236}">
-                <a16:creationId xmlns:a16="http://schemas.microsoft.com/office/drawing/2014/main" id="{9C8FD404-1214-4540-A4C9-6640F9089C52}"/>
-              </a:ext>
-            </a:extLst>
-          </p:cNvPr>
-          <p:cNvSpPr/>
-          <p:nvPr/>
-        </p:nvSpPr>
-        <p:spPr>
-          <a:xfrm rot="21391442">
-            <a:off x="6467541" y="2783747"/>
-            <a:ext cx="1241572" cy="511379"/>
-          </a:xfrm>
-          <a:prstGeom prst="rightArrow">
-            <a:avLst/>
-          </a:prstGeom>
-          <a:noFill/>
-        </p:spPr>
-        <p:style>
-          <a:lnRef idx="2">
-            <a:schemeClr val="accent1">
-              <a:shade val="50000"/>
-            </a:schemeClr>
-          </a:lnRef>
-          <a:fillRef idx="1">
-            <a:schemeClr val="accent1"/>
-          </a:fillRef>
-          <a:effectRef idx="0">
-            <a:schemeClr val="accent1"/>
-          </a:effectRef>
-          <a:fontRef idx="minor">
-            <a:schemeClr val="lt1"/>
-          </a:fontRef>
-        </p:style>
-        <p:txBody>
-          <a:bodyPr rtlCol="0" anchor="ctr"/>
-          <a:lstStyle/>
-          <a:p>
-            <a:pPr algn="ctr"/>
-            <a:endParaRPr lang="fr-FR"/>
-          </a:p>
-        </p:txBody>
-      </p:sp>
-      <p:sp>
-        <p:nvSpPr>
           <p:cNvPr id="25" name="ZoneTexte 24">
             <a:extLst>
               <a:ext uri="{FF2B5EF4-FFF2-40B4-BE49-F238E27FC236}">
@@ -13775,7 +13658,7 @@
         </p:nvSpPr>
         <p:spPr>
           <a:xfrm>
-            <a:off x="7678723" y="2552516"/>
+            <a:off x="7709981" y="2838036"/>
             <a:ext cx="4513277" cy="523220"/>
           </a:xfrm>
           <a:prstGeom prst="rect">
@@ -13872,12 +13755,8 @@
           <a:lstStyle/>
           <a:p>
             <a:r>
-              <a:rPr lang="en-US" sz="1400" dirty="0" err="1"/>
-              <a:t>ANalysis</a:t>
-            </a:r>
-            <a:r>
               <a:rPr lang="en-US" sz="1400" dirty="0"/>
-              <a:t> Of Variance </a:t>
+              <a:t>ANalysis Of Variance </a:t>
             </a:r>
             <a:r>
               <a:rPr lang="en-US" sz="1400" i="1" dirty="0">
@@ -13929,7 +13808,7 @@
         </p:nvSpPr>
         <p:spPr>
           <a:xfrm>
-            <a:off x="7736162" y="3805013"/>
+            <a:off x="7738732" y="4140227"/>
             <a:ext cx="4513277" cy="523220"/>
           </a:xfrm>
           <a:prstGeom prst="rect">
@@ -13964,7 +13843,7 @@
         </p:nvSpPr>
         <p:spPr>
           <a:xfrm>
-            <a:off x="7851513" y="4402726"/>
+            <a:off x="7854083" y="4737940"/>
             <a:ext cx="4000913" cy="318781"/>
           </a:xfrm>
           <a:prstGeom prst="roundRect">
@@ -14011,7 +13890,7 @@
         </p:nvSpPr>
         <p:spPr>
           <a:xfrm>
-            <a:off x="7896965" y="4417494"/>
+            <a:off x="7899535" y="4752708"/>
             <a:ext cx="3930228" cy="307777"/>
           </a:xfrm>
           <a:prstGeom prst="rect">
@@ -14047,7 +13926,7 @@
                   <a:srgbClr val="92D050"/>
                 </a:solidFill>
               </a:rPr>
-              <a:t>(G)</a:t>
+              <a:t>(H)</a:t>
             </a:r>
           </a:p>
         </p:txBody>
@@ -14066,7 +13945,7 @@
         </p:nvSpPr>
         <p:spPr>
           <a:xfrm>
-            <a:off x="7359511" y="1315763"/>
+            <a:off x="7386619" y="1566883"/>
             <a:ext cx="4513277" cy="523220"/>
           </a:xfrm>
           <a:prstGeom prst="rect">
@@ -14101,7 +13980,7 @@
         </p:nvSpPr>
         <p:spPr>
           <a:xfrm>
-            <a:off x="8084575" y="1896270"/>
+            <a:off x="8111683" y="2147390"/>
             <a:ext cx="2623547" cy="318781"/>
           </a:xfrm>
           <a:prstGeom prst="roundRect">
@@ -14148,7 +14027,7 @@
         </p:nvSpPr>
         <p:spPr>
           <a:xfrm>
-            <a:off x="8407845" y="1894659"/>
+            <a:off x="8434953" y="2145779"/>
             <a:ext cx="2149275" cy="307777"/>
           </a:xfrm>
           <a:prstGeom prst="rect">
@@ -14191,7 +14070,7 @@
         </p:nvSpPr>
         <p:spPr>
           <a:xfrm>
-            <a:off x="141083" y="128387"/>
+            <a:off x="126741" y="305560"/>
             <a:ext cx="4762347" cy="523220"/>
           </a:xfrm>
           <a:prstGeom prst="rect">
@@ -14226,7 +14105,7 @@
         </p:nvSpPr>
         <p:spPr>
           <a:xfrm>
-            <a:off x="1207468" y="704773"/>
+            <a:off x="1193126" y="881946"/>
             <a:ext cx="2623547" cy="318781"/>
           </a:xfrm>
           <a:prstGeom prst="roundRect">
@@ -14273,7 +14152,7 @@
         </p:nvSpPr>
         <p:spPr>
           <a:xfrm>
-            <a:off x="1799186" y="703162"/>
+            <a:off x="1784844" y="880335"/>
             <a:ext cx="1542637" cy="307777"/>
           </a:xfrm>
           <a:prstGeom prst="rect">
@@ -14297,7 +14176,7 @@
                   <a:srgbClr val="92D050"/>
                 </a:solidFill>
               </a:rPr>
-              <a:t>(L)</a:t>
+              <a:t>(K)</a:t>
             </a:r>
           </a:p>
         </p:txBody>
@@ -14316,7 +14195,7 @@
         </p:nvSpPr>
         <p:spPr>
           <a:xfrm>
-            <a:off x="129950" y="3249946"/>
+            <a:off x="156818" y="3568382"/>
             <a:ext cx="3137829" cy="954107"/>
           </a:xfrm>
           <a:prstGeom prst="rect">
@@ -14351,7 +14230,7 @@
         </p:nvSpPr>
         <p:spPr>
           <a:xfrm>
-            <a:off x="465613" y="4345011"/>
+            <a:off x="492481" y="4663447"/>
             <a:ext cx="2623547" cy="318781"/>
           </a:xfrm>
           <a:prstGeom prst="roundRect">
@@ -14398,7 +14277,7 @@
         </p:nvSpPr>
         <p:spPr>
           <a:xfrm>
-            <a:off x="1222871" y="4343400"/>
+            <a:off x="1249739" y="4661836"/>
             <a:ext cx="1002642" cy="307777"/>
           </a:xfrm>
           <a:prstGeom prst="rect">
@@ -14422,7 +14301,7 @@
                   <a:srgbClr val="92D050"/>
                 </a:solidFill>
               </a:rPr>
-              <a:t>(F)</a:t>
+              <a:t>(G)</a:t>
             </a:r>
           </a:p>
         </p:txBody>
@@ -14441,7 +14320,7 @@
         </p:nvSpPr>
         <p:spPr>
           <a:xfrm>
-            <a:off x="-37155" y="1360131"/>
+            <a:off x="20710" y="1663861"/>
             <a:ext cx="3886003" cy="954107"/>
           </a:xfrm>
           <a:prstGeom prst="rect">
@@ -14476,7 +14355,7 @@
         </p:nvSpPr>
         <p:spPr>
           <a:xfrm>
-            <a:off x="556498" y="2410659"/>
+            <a:off x="614363" y="2714389"/>
             <a:ext cx="2258916" cy="318781"/>
           </a:xfrm>
           <a:prstGeom prst="roundRect">
@@ -14523,7 +14402,7 @@
         </p:nvSpPr>
         <p:spPr>
           <a:xfrm>
-            <a:off x="1201139" y="2424628"/>
+            <a:off x="1259004" y="2728358"/>
             <a:ext cx="1040404" cy="307777"/>
           </a:xfrm>
           <a:prstGeom prst="rect">
@@ -14547,7 +14426,7 @@
                   <a:srgbClr val="92D050"/>
                 </a:solidFill>
               </a:rPr>
-              <a:t>(K)</a:t>
+              <a:t>(J)</a:t>
             </a:r>
           </a:p>
         </p:txBody>
@@ -14566,7 +14445,7 @@
         </p:nvSpPr>
         <p:spPr>
           <a:xfrm rot="11317544">
-            <a:off x="3162080" y="2247654"/>
+            <a:off x="3120797" y="2451008"/>
             <a:ext cx="1241572" cy="511379"/>
           </a:xfrm>
           <a:prstGeom prst="rightArrow">
@@ -14613,7 +14492,7 @@
         </p:nvSpPr>
         <p:spPr>
           <a:xfrm>
-            <a:off x="3855144" y="6344526"/>
+            <a:off x="5998368" y="6277917"/>
             <a:ext cx="2623547" cy="498496"/>
           </a:xfrm>
           <a:prstGeom prst="roundRect">
@@ -14660,7 +14539,7 @@
         </p:nvSpPr>
         <p:spPr>
           <a:xfrm>
-            <a:off x="3820412" y="6357425"/>
+            <a:off x="5963636" y="6290816"/>
             <a:ext cx="3092890" cy="523220"/>
           </a:xfrm>
           <a:prstGeom prst="rect">
@@ -14711,7 +14590,7 @@
         </p:nvSpPr>
         <p:spPr>
           <a:xfrm>
-            <a:off x="3531080" y="5591791"/>
+            <a:off x="5594874" y="5476790"/>
             <a:ext cx="4513277" cy="738664"/>
           </a:xfrm>
           <a:prstGeom prst="rect">
@@ -14745,8 +14624,8 @@
           <p:nvPr/>
         </p:nvSpPr>
         <p:spPr>
-          <a:xfrm rot="1258049">
-            <a:off x="6444200" y="3716236"/>
+          <a:xfrm rot="1607429">
+            <a:off x="6365524" y="3826437"/>
             <a:ext cx="1241572" cy="511379"/>
           </a:xfrm>
           <a:prstGeom prst="rightArrow">
@@ -14776,131 +14655,6 @@
           <a:p>
             <a:pPr algn="ctr"/>
             <a:endParaRPr lang="fr-FR"/>
-          </a:p>
-        </p:txBody>
-      </p:sp>
-      <p:sp>
-        <p:nvSpPr>
-          <p:cNvPr id="48" name="ZoneTexte 47">
-            <a:extLst>
-              <a:ext uri="{FF2B5EF4-FFF2-40B4-BE49-F238E27FC236}">
-                <a16:creationId xmlns:a16="http://schemas.microsoft.com/office/drawing/2014/main" id="{824C4BF8-4134-4216-A60C-359237F40558}"/>
-              </a:ext>
-            </a:extLst>
-          </p:cNvPr>
-          <p:cNvSpPr txBox="1"/>
-          <p:nvPr/>
-        </p:nvSpPr>
-        <p:spPr>
-          <a:xfrm>
-            <a:off x="6788590" y="5161215"/>
-            <a:ext cx="4513277" cy="307777"/>
-          </a:xfrm>
-          <a:prstGeom prst="rect">
-            <a:avLst/>
-          </a:prstGeom>
-          <a:noFill/>
-        </p:spPr>
-        <p:txBody>
-          <a:bodyPr wrap="square" rtlCol="0">
-            <a:spAutoFit/>
-          </a:bodyPr>
-          <a:lstStyle/>
-          <a:p>
-            <a:r>
-              <a:rPr lang="en-US" sz="1400" dirty="0"/>
-              <a:t>How can we look at the similarity between 2 time series?</a:t>
-            </a:r>
-          </a:p>
-        </p:txBody>
-      </p:sp>
-      <p:sp>
-        <p:nvSpPr>
-          <p:cNvPr id="49" name="Rectangle : coins arrondis 48">
-            <a:extLst>
-              <a:ext uri="{FF2B5EF4-FFF2-40B4-BE49-F238E27FC236}">
-                <a16:creationId xmlns:a16="http://schemas.microsoft.com/office/drawing/2014/main" id="{6793977B-D8C5-47CB-B373-37ED26A430C2}"/>
-              </a:ext>
-            </a:extLst>
-          </p:cNvPr>
-          <p:cNvSpPr/>
-          <p:nvPr/>
-        </p:nvSpPr>
-        <p:spPr>
-          <a:xfrm>
-            <a:off x="8215787" y="5486707"/>
-            <a:ext cx="2623547" cy="318781"/>
-          </a:xfrm>
-          <a:prstGeom prst="roundRect">
-            <a:avLst/>
-          </a:prstGeom>
-          <a:noFill/>
-        </p:spPr>
-        <p:style>
-          <a:lnRef idx="2">
-            <a:schemeClr val="accent1">
-              <a:shade val="50000"/>
-            </a:schemeClr>
-          </a:lnRef>
-          <a:fillRef idx="1">
-            <a:schemeClr val="accent1"/>
-          </a:fillRef>
-          <a:effectRef idx="0">
-            <a:schemeClr val="accent1"/>
-          </a:effectRef>
-          <a:fontRef idx="minor">
-            <a:schemeClr val="lt1"/>
-          </a:fontRef>
-        </p:style>
-        <p:txBody>
-          <a:bodyPr rtlCol="0" anchor="ctr"/>
-          <a:lstStyle/>
-          <a:p>
-            <a:pPr algn="ctr"/>
-            <a:endParaRPr lang="fr-FR"/>
-          </a:p>
-        </p:txBody>
-      </p:sp>
-      <p:sp>
-        <p:nvSpPr>
-          <p:cNvPr id="50" name="ZoneTexte 49">
-            <a:extLst>
-              <a:ext uri="{FF2B5EF4-FFF2-40B4-BE49-F238E27FC236}">
-                <a16:creationId xmlns:a16="http://schemas.microsoft.com/office/drawing/2014/main" id="{6795FA23-AF91-4DBD-AC65-62866C98E5CD}"/>
-              </a:ext>
-            </a:extLst>
-          </p:cNvPr>
-          <p:cNvSpPr txBox="1"/>
-          <p:nvPr/>
-        </p:nvSpPr>
-        <p:spPr>
-          <a:xfrm>
-            <a:off x="8463556" y="5493485"/>
-            <a:ext cx="2169490" cy="307777"/>
-          </a:xfrm>
-          <a:prstGeom prst="rect">
-            <a:avLst/>
-          </a:prstGeom>
-          <a:noFill/>
-        </p:spPr>
-        <p:txBody>
-          <a:bodyPr wrap="square" rtlCol="0">
-            <a:spAutoFit/>
-          </a:bodyPr>
-          <a:lstStyle/>
-          <a:p>
-            <a:r>
-              <a:rPr lang="en-US" sz="1400" dirty="0"/>
-              <a:t>Dynamic Time Warping </a:t>
-            </a:r>
-            <a:r>
-              <a:rPr lang="en-US" sz="1400" dirty="0">
-                <a:solidFill>
-                  <a:srgbClr val="92D050"/>
-                </a:solidFill>
-              </a:rPr>
-              <a:t>(J)</a:t>
-            </a:r>
           </a:p>
         </p:txBody>
       </p:sp>
@@ -15000,7 +14754,7 @@
         </p:nvSpPr>
         <p:spPr>
           <a:xfrm>
-            <a:off x="8497173" y="3144512"/>
+            <a:off x="8528431" y="3430032"/>
             <a:ext cx="2623547" cy="318781"/>
           </a:xfrm>
           <a:prstGeom prst="roundRect">
@@ -15047,7 +14801,7 @@
         </p:nvSpPr>
         <p:spPr>
           <a:xfrm>
-            <a:off x="8644274" y="3142901"/>
+            <a:off x="8675532" y="3428421"/>
             <a:ext cx="2378980" cy="307777"/>
           </a:xfrm>
           <a:prstGeom prst="rect">
@@ -15071,7 +14825,7 @@
                   <a:srgbClr val="7030A0"/>
                 </a:solidFill>
               </a:rPr>
-              <a:t>(H)</a:t>
+              <a:t>(E)</a:t>
             </a:r>
           </a:p>
         </p:txBody>
@@ -15089,8 +14843,8 @@
           <p:nvPr/>
         </p:nvSpPr>
         <p:spPr>
-          <a:xfrm rot="8064471">
-            <a:off x="3676231" y="4375026"/>
+          <a:xfrm rot="7430431">
+            <a:off x="3995733" y="4448669"/>
             <a:ext cx="1241572" cy="511379"/>
           </a:xfrm>
           <a:prstGeom prst="rightArrow">
@@ -15137,7 +14891,7 @@
         </p:nvSpPr>
         <p:spPr>
           <a:xfrm>
-            <a:off x="-52629" y="5113621"/>
+            <a:off x="812603" y="5423943"/>
             <a:ext cx="4762347" cy="523220"/>
           </a:xfrm>
           <a:prstGeom prst="rect">
@@ -15172,7 +14926,7 @@
         </p:nvSpPr>
         <p:spPr>
           <a:xfrm>
-            <a:off x="317702" y="5683397"/>
+            <a:off x="1182934" y="5993719"/>
             <a:ext cx="2623547" cy="318781"/>
           </a:xfrm>
           <a:prstGeom prst="roundRect">
@@ -15219,7 +14973,7 @@
         </p:nvSpPr>
         <p:spPr>
           <a:xfrm>
-            <a:off x="436490" y="5688470"/>
+            <a:off x="1301722" y="5998792"/>
             <a:ext cx="2378924" cy="307777"/>
           </a:xfrm>
           <a:prstGeom prst="rect">
@@ -15243,7 +14997,7 @@
                   <a:srgbClr val="92D050"/>
                 </a:solidFill>
               </a:rPr>
-              <a:t>(E)</a:t>
+              <a:t>(F)</a:t>
             </a:r>
           </a:p>
         </p:txBody>
@@ -15263,7 +15017,7 @@
         <p:spPr>
           <a:xfrm>
             <a:off x="10168569" y="6150114"/>
-            <a:ext cx="1904301" cy="707886"/>
+            <a:ext cx="2023431" cy="707886"/>
           </a:xfrm>
           <a:prstGeom prst="rect">
             <a:avLst/>
@@ -15277,61 +15031,30 @@
           <a:lstStyle/>
           <a:p>
             <a:r>
-              <a:rPr lang="fr-FR" sz="1000" dirty="0" err="1"/>
-              <a:t>Comparison</a:t>
+              <a:rPr lang="en-US" sz="1000" dirty="0"/>
+              <a:t>Comparison method</a:t>
+            </a:r>
+          </a:p>
+          <a:p>
+            <a:r>
+              <a:rPr lang="en-US" sz="1000" dirty="0"/>
+              <a:t>Clustering method</a:t>
+            </a:r>
+          </a:p>
+          <a:p>
+            <a:r>
+              <a:rPr lang="fr-FR" sz="1000" dirty="0"/>
+              <a:t>Modeling/forecasting </a:t>
             </a:r>
             <a:r>
-              <a:rPr lang="fr-FR" sz="1000" dirty="0"/>
-              <a:t> </a:t>
-            </a:r>
-            <a:r>
-              <a:rPr lang="fr-FR" sz="1000" dirty="0" err="1"/>
+              <a:rPr lang="en-US" sz="1000" dirty="0"/>
               <a:t>method</a:t>
             </a:r>
-            <a:endParaRPr lang="fr-FR" sz="1000" dirty="0"/>
           </a:p>
           <a:p>
             <a:r>
               <a:rPr lang="fr-FR" sz="1000" dirty="0"/>
-              <a:t>Clustering </a:t>
-            </a:r>
-            <a:r>
-              <a:rPr lang="fr-FR" sz="1000" dirty="0" err="1"/>
-              <a:t>method</a:t>
-            </a:r>
-            <a:endParaRPr lang="fr-FR" sz="1000" dirty="0"/>
-          </a:p>
-          <a:p>
-            <a:r>
-              <a:rPr lang="fr-FR" sz="1000" dirty="0" err="1"/>
-              <a:t>Modelisation</a:t>
-            </a:r>
-            <a:r>
-              <a:rPr lang="fr-FR" sz="1000" dirty="0"/>
-              <a:t>/</a:t>
-            </a:r>
-            <a:r>
-              <a:rPr lang="fr-FR" sz="1000" dirty="0" err="1"/>
-              <a:t>prediction</a:t>
-            </a:r>
-            <a:r>
-              <a:rPr lang="fr-FR" sz="1000" dirty="0"/>
-              <a:t> </a:t>
-            </a:r>
-            <a:r>
-              <a:rPr lang="fr-FR" sz="1000" dirty="0" err="1"/>
-              <a:t>method</a:t>
-            </a:r>
-            <a:endParaRPr lang="fr-FR" sz="1000" dirty="0"/>
-          </a:p>
-          <a:p>
-            <a:r>
-              <a:rPr lang="fr-FR" sz="1000" dirty="0" err="1"/>
-              <a:t>Algorithm</a:t>
-            </a:r>
-            <a:r>
-              <a:rPr lang="fr-FR" sz="1000" dirty="0"/>
-              <a:t> vs. </a:t>
+              <a:t>Algorithm vs. </a:t>
             </a:r>
             <a:r>
               <a:rPr lang="fr-FR" sz="1000" i="1" dirty="0"/>
@@ -15502,7 +15225,7 @@
           <p:nvPr>
             <p:extLst>
               <p:ext uri="{D42A27DB-BD31-4B8C-83A1-F6EECF244321}">
-                <p14:modId xmlns:p14="http://schemas.microsoft.com/office/powerpoint/2010/main" val="2285969350"/>
+                <p14:modId xmlns:p14="http://schemas.microsoft.com/office/powerpoint/2010/main" val="3128660671"/>
               </p:ext>
             </p:extLst>
           </p:nvPr>
@@ -15656,7 +15379,7 @@
             <a:r>
               <a:rPr lang="en-US" sz="1000" i="1" dirty="0">
                 <a:solidFill>
-                  <a:srgbClr val="92D050"/>
+                  <a:srgbClr val="7030A0"/>
                 </a:solidFill>
               </a:rPr>
               <a:t>(E)</a:t>
@@ -15686,7 +15409,7 @@
             <a:r>
               <a:rPr lang="en-US" sz="1000" i="1" dirty="0">
                 <a:solidFill>
-                  <a:srgbClr val="7030A0"/>
+                  <a:srgbClr val="92D050"/>
                 </a:solidFill>
               </a:rPr>
               <a:t>(H)</a:t>
@@ -15762,8 +15485,8 @@
         </p:nvSpPr>
         <p:spPr>
           <a:xfrm>
-            <a:off x="10591099" y="3567577"/>
-            <a:ext cx="394283" cy="400110"/>
+            <a:off x="10599489" y="3689486"/>
+            <a:ext cx="394283" cy="246221"/>
           </a:xfrm>
           <a:prstGeom prst="rect">
             <a:avLst/>
@@ -15784,16 +15507,11 @@
               </a:rPr>
               <a:t>(I)</a:t>
             </a:r>
-          </a:p>
-          <a:p>
-            <a:r>
-              <a:rPr lang="en-US" sz="1000" dirty="0">
-                <a:solidFill>
-                  <a:srgbClr val="92D050"/>
-                </a:solidFill>
-              </a:rPr>
-              <a:t>(J)</a:t>
-            </a:r>
+            <a:endParaRPr lang="en-US" sz="1000" dirty="0">
+              <a:solidFill>
+                <a:srgbClr val="92D050"/>
+              </a:solidFill>
+            </a:endParaRPr>
           </a:p>
         </p:txBody>
       </p:sp>
@@ -15883,7 +15601,7 @@
                   <a:srgbClr val="92D050"/>
                 </a:solidFill>
               </a:rPr>
-              <a:t>(K)</a:t>
+              <a:t>(J)</a:t>
             </a:r>
           </a:p>
           <a:p>
@@ -15893,7 +15611,7 @@
                   <a:srgbClr val="92D050"/>
                 </a:solidFill>
               </a:rPr>
-              <a:t>(L)</a:t>
+              <a:t>(K)</a:t>
             </a:r>
           </a:p>
         </p:txBody>
@@ -15976,7 +15694,7 @@
         <p:spPr>
           <a:xfrm>
             <a:off x="4546832" y="5936998"/>
-            <a:ext cx="1904301" cy="707886"/>
+            <a:ext cx="2088860" cy="707886"/>
           </a:xfrm>
           <a:prstGeom prst="rect">
             <a:avLst/>
@@ -15990,57 +15708,46 @@
           <a:lstStyle/>
           <a:p>
             <a:r>
-              <a:rPr lang="fr-FR" sz="1000" dirty="0" err="1"/>
-              <a:t>Comparison</a:t>
+              <a:rPr lang="en-US" sz="1000" dirty="0"/>
+              <a:t>Comparison method</a:t>
+            </a:r>
+          </a:p>
+          <a:p>
+            <a:r>
+              <a:rPr lang="en-US" sz="1000" dirty="0"/>
+              <a:t>Clustering method</a:t>
+            </a:r>
+          </a:p>
+          <a:p>
+            <a:r>
+              <a:rPr lang="en-US" sz="1000" dirty="0"/>
+              <a:t>Modeling</a:t>
+            </a:r>
+            <a:r>
+              <a:rPr lang="fr-FR" sz="1000" dirty="0"/>
+              <a:t>/</a:t>
+            </a:r>
+            <a:r>
+              <a:rPr lang="en-US" sz="1000" dirty="0"/>
+              <a:t>forecasting</a:t>
             </a:r>
             <a:r>
               <a:rPr lang="fr-FR" sz="1000" dirty="0"/>
               <a:t> </a:t>
             </a:r>
             <a:r>
-              <a:rPr lang="fr-FR" sz="1000" dirty="0" err="1"/>
+              <a:rPr lang="en-US" sz="1000" dirty="0"/>
               <a:t>method</a:t>
             </a:r>
-            <a:endParaRPr lang="fr-FR" sz="1000" dirty="0"/>
           </a:p>
           <a:p>
             <a:r>
               <a:rPr lang="fr-FR" sz="1000" dirty="0"/>
-              <a:t>Clustering </a:t>
+              <a:t>A</a:t>
             </a:r>
             <a:r>
-              <a:rPr lang="fr-FR" sz="1000" dirty="0" err="1"/>
-              <a:t>method</a:t>
-            </a:r>
-            <a:endParaRPr lang="fr-FR" sz="1000" dirty="0"/>
-          </a:p>
-          <a:p>
-            <a:r>
-              <a:rPr lang="fr-FR" sz="1000" dirty="0" err="1"/>
-              <a:t>Modelisation</a:t>
-            </a:r>
-            <a:r>
-              <a:rPr lang="fr-FR" sz="1000" dirty="0"/>
-              <a:t>/</a:t>
-            </a:r>
-            <a:r>
-              <a:rPr lang="fr-FR" sz="1000" dirty="0" err="1"/>
-              <a:t>prediction</a:t>
-            </a:r>
-            <a:r>
-              <a:rPr lang="fr-FR" sz="1000" dirty="0"/>
-              <a:t> </a:t>
-            </a:r>
-            <a:r>
-              <a:rPr lang="fr-FR" sz="1000" dirty="0" err="1"/>
-              <a:t>method</a:t>
-            </a:r>
-            <a:endParaRPr lang="fr-FR" sz="1000" dirty="0"/>
-          </a:p>
-          <a:p>
-            <a:r>
-              <a:rPr lang="fr-FR" sz="1000" dirty="0" err="1"/>
-              <a:t>Algorithm</a:t>
+              <a:rPr lang="en-US" sz="1000" dirty="0"/>
+              <a:t>lgorithm</a:t>
             </a:r>
             <a:r>
               <a:rPr lang="fr-FR" sz="1000" dirty="0"/>

--- a/Results/schema_060125.pptx
+++ b/Results/schema_060125.pptx
@@ -9791,7 +9791,7 @@
           <a:p>
             <a:fld id="{80FF1440-FB20-43AC-A885-455CF6238228}" type="datetimeFigureOut">
               <a:rPr lang="fr-FR" smtClean="0"/>
-              <a:t>06/02/2025</a:t>
+              <a:t>11/02/2025</a:t>
             </a:fld>
             <a:endParaRPr lang="fr-FR"/>
           </a:p>
@@ -9989,7 +9989,7 @@
           <a:p>
             <a:fld id="{80FF1440-FB20-43AC-A885-455CF6238228}" type="datetimeFigureOut">
               <a:rPr lang="fr-FR" smtClean="0"/>
-              <a:t>06/02/2025</a:t>
+              <a:t>11/02/2025</a:t>
             </a:fld>
             <a:endParaRPr lang="fr-FR"/>
           </a:p>
@@ -10197,7 +10197,7 @@
           <a:p>
             <a:fld id="{80FF1440-FB20-43AC-A885-455CF6238228}" type="datetimeFigureOut">
               <a:rPr lang="fr-FR" smtClean="0"/>
-              <a:t>06/02/2025</a:t>
+              <a:t>11/02/2025</a:t>
             </a:fld>
             <a:endParaRPr lang="fr-FR"/>
           </a:p>
@@ -10395,7 +10395,7 @@
           <a:p>
             <a:fld id="{80FF1440-FB20-43AC-A885-455CF6238228}" type="datetimeFigureOut">
               <a:rPr lang="fr-FR" smtClean="0"/>
-              <a:t>06/02/2025</a:t>
+              <a:t>11/02/2025</a:t>
             </a:fld>
             <a:endParaRPr lang="fr-FR"/>
           </a:p>
@@ -10670,7 +10670,7 @@
           <a:p>
             <a:fld id="{80FF1440-FB20-43AC-A885-455CF6238228}" type="datetimeFigureOut">
               <a:rPr lang="fr-FR" smtClean="0"/>
-              <a:t>06/02/2025</a:t>
+              <a:t>11/02/2025</a:t>
             </a:fld>
             <a:endParaRPr lang="fr-FR"/>
           </a:p>
@@ -10935,7 +10935,7 @@
           <a:p>
             <a:fld id="{80FF1440-FB20-43AC-A885-455CF6238228}" type="datetimeFigureOut">
               <a:rPr lang="fr-FR" smtClean="0"/>
-              <a:t>06/02/2025</a:t>
+              <a:t>11/02/2025</a:t>
             </a:fld>
             <a:endParaRPr lang="fr-FR"/>
           </a:p>
@@ -11347,7 +11347,7 @@
           <a:p>
             <a:fld id="{80FF1440-FB20-43AC-A885-455CF6238228}" type="datetimeFigureOut">
               <a:rPr lang="fr-FR" smtClean="0"/>
-              <a:t>06/02/2025</a:t>
+              <a:t>11/02/2025</a:t>
             </a:fld>
             <a:endParaRPr lang="fr-FR"/>
           </a:p>
@@ -11488,7 +11488,7 @@
           <a:p>
             <a:fld id="{80FF1440-FB20-43AC-A885-455CF6238228}" type="datetimeFigureOut">
               <a:rPr lang="fr-FR" smtClean="0"/>
-              <a:t>06/02/2025</a:t>
+              <a:t>11/02/2025</a:t>
             </a:fld>
             <a:endParaRPr lang="fr-FR"/>
           </a:p>
@@ -11601,7 +11601,7 @@
           <a:p>
             <a:fld id="{80FF1440-FB20-43AC-A885-455CF6238228}" type="datetimeFigureOut">
               <a:rPr lang="fr-FR" smtClean="0"/>
-              <a:t>06/02/2025</a:t>
+              <a:t>11/02/2025</a:t>
             </a:fld>
             <a:endParaRPr lang="fr-FR"/>
           </a:p>
@@ -11912,7 +11912,7 @@
           <a:p>
             <a:fld id="{80FF1440-FB20-43AC-A885-455CF6238228}" type="datetimeFigureOut">
               <a:rPr lang="fr-FR" smtClean="0"/>
-              <a:t>06/02/2025</a:t>
+              <a:t>11/02/2025</a:t>
             </a:fld>
             <a:endParaRPr lang="fr-FR"/>
           </a:p>
@@ -12200,7 +12200,7 @@
           <a:p>
             <a:fld id="{80FF1440-FB20-43AC-A885-455CF6238228}" type="datetimeFigureOut">
               <a:rPr lang="fr-FR" smtClean="0"/>
-              <a:t>06/02/2025</a:t>
+              <a:t>11/02/2025</a:t>
             </a:fld>
             <a:endParaRPr lang="fr-FR"/>
           </a:p>
@@ -12441,7 +12441,7 @@
           <a:p>
             <a:fld id="{80FF1440-FB20-43AC-A885-455CF6238228}" type="datetimeFigureOut">
               <a:rPr lang="fr-FR" smtClean="0"/>
-              <a:t>06/02/2025</a:t>
+              <a:t>11/02/2025</a:t>
             </a:fld>
             <a:endParaRPr lang="fr-FR"/>
           </a:p>
@@ -15924,7 +15924,7 @@
           <p:nvPr>
             <p:extLst>
               <p:ext uri="{D42A27DB-BD31-4B8C-83A1-F6EECF244321}">
-                <p14:modId xmlns:p14="http://schemas.microsoft.com/office/powerpoint/2010/main" val="1048933717"/>
+                <p14:modId xmlns:p14="http://schemas.microsoft.com/office/powerpoint/2010/main" val="93994685"/>
               </p:ext>
             </p:extLst>
           </p:nvPr>
@@ -16074,7 +16074,7 @@
                       </a:r>
                       <a:r>
                         <a:rPr lang="fr-FR" dirty="0"/>
-                        <a:t> data (</a:t>
+                        <a:t> records (</a:t>
                       </a:r>
                       <a:r>
                         <a:rPr lang="en-US" noProof="0" dirty="0"/>

--- a/Results/schema_060125.pptx
+++ b/Results/schema_060125.pptx
@@ -9791,7 +9791,7 @@
           <a:p>
             <a:fld id="{80FF1440-FB20-43AC-A885-455CF6238228}" type="datetimeFigureOut">
               <a:rPr lang="fr-FR" smtClean="0"/>
-              <a:t>11/02/2025</a:t>
+              <a:t>13/02/2025</a:t>
             </a:fld>
             <a:endParaRPr lang="fr-FR"/>
           </a:p>
@@ -9989,7 +9989,7 @@
           <a:p>
             <a:fld id="{80FF1440-FB20-43AC-A885-455CF6238228}" type="datetimeFigureOut">
               <a:rPr lang="fr-FR" smtClean="0"/>
-              <a:t>11/02/2025</a:t>
+              <a:t>13/02/2025</a:t>
             </a:fld>
             <a:endParaRPr lang="fr-FR"/>
           </a:p>
@@ -10197,7 +10197,7 @@
           <a:p>
             <a:fld id="{80FF1440-FB20-43AC-A885-455CF6238228}" type="datetimeFigureOut">
               <a:rPr lang="fr-FR" smtClean="0"/>
-              <a:t>11/02/2025</a:t>
+              <a:t>13/02/2025</a:t>
             </a:fld>
             <a:endParaRPr lang="fr-FR"/>
           </a:p>
@@ -10395,7 +10395,7 @@
           <a:p>
             <a:fld id="{80FF1440-FB20-43AC-A885-455CF6238228}" type="datetimeFigureOut">
               <a:rPr lang="fr-FR" smtClean="0"/>
-              <a:t>11/02/2025</a:t>
+              <a:t>13/02/2025</a:t>
             </a:fld>
             <a:endParaRPr lang="fr-FR"/>
           </a:p>
@@ -10670,7 +10670,7 @@
           <a:p>
             <a:fld id="{80FF1440-FB20-43AC-A885-455CF6238228}" type="datetimeFigureOut">
               <a:rPr lang="fr-FR" smtClean="0"/>
-              <a:t>11/02/2025</a:t>
+              <a:t>13/02/2025</a:t>
             </a:fld>
             <a:endParaRPr lang="fr-FR"/>
           </a:p>
@@ -10935,7 +10935,7 @@
           <a:p>
             <a:fld id="{80FF1440-FB20-43AC-A885-455CF6238228}" type="datetimeFigureOut">
               <a:rPr lang="fr-FR" smtClean="0"/>
-              <a:t>11/02/2025</a:t>
+              <a:t>13/02/2025</a:t>
             </a:fld>
             <a:endParaRPr lang="fr-FR"/>
           </a:p>
@@ -11347,7 +11347,7 @@
           <a:p>
             <a:fld id="{80FF1440-FB20-43AC-A885-455CF6238228}" type="datetimeFigureOut">
               <a:rPr lang="fr-FR" smtClean="0"/>
-              <a:t>11/02/2025</a:t>
+              <a:t>13/02/2025</a:t>
             </a:fld>
             <a:endParaRPr lang="fr-FR"/>
           </a:p>
@@ -11488,7 +11488,7 @@
           <a:p>
             <a:fld id="{80FF1440-FB20-43AC-A885-455CF6238228}" type="datetimeFigureOut">
               <a:rPr lang="fr-FR" smtClean="0"/>
-              <a:t>11/02/2025</a:t>
+              <a:t>13/02/2025</a:t>
             </a:fld>
             <a:endParaRPr lang="fr-FR"/>
           </a:p>
@@ -11601,7 +11601,7 @@
           <a:p>
             <a:fld id="{80FF1440-FB20-43AC-A885-455CF6238228}" type="datetimeFigureOut">
               <a:rPr lang="fr-FR" smtClean="0"/>
-              <a:t>11/02/2025</a:t>
+              <a:t>13/02/2025</a:t>
             </a:fld>
             <a:endParaRPr lang="fr-FR"/>
           </a:p>
@@ -11912,7 +11912,7 @@
           <a:p>
             <a:fld id="{80FF1440-FB20-43AC-A885-455CF6238228}" type="datetimeFigureOut">
               <a:rPr lang="fr-FR" smtClean="0"/>
-              <a:t>11/02/2025</a:t>
+              <a:t>13/02/2025</a:t>
             </a:fld>
             <a:endParaRPr lang="fr-FR"/>
           </a:p>
@@ -12200,7 +12200,7 @@
           <a:p>
             <a:fld id="{80FF1440-FB20-43AC-A885-455CF6238228}" type="datetimeFigureOut">
               <a:rPr lang="fr-FR" smtClean="0"/>
-              <a:t>11/02/2025</a:t>
+              <a:t>13/02/2025</a:t>
             </a:fld>
             <a:endParaRPr lang="fr-FR"/>
           </a:p>
@@ -12441,7 +12441,7 @@
           <a:p>
             <a:fld id="{80FF1440-FB20-43AC-A885-455CF6238228}" type="datetimeFigureOut">
               <a:rPr lang="fr-FR" smtClean="0"/>
-              <a:t>11/02/2025</a:t>
+              <a:t>13/02/2025</a:t>
             </a:fld>
             <a:endParaRPr lang="fr-FR"/>
           </a:p>
@@ -15924,7 +15924,7 @@
           <p:nvPr>
             <p:extLst>
               <p:ext uri="{D42A27DB-BD31-4B8C-83A1-F6EECF244321}">
-                <p14:modId xmlns:p14="http://schemas.microsoft.com/office/powerpoint/2010/main" val="93994685"/>
+                <p14:modId xmlns:p14="http://schemas.microsoft.com/office/powerpoint/2010/main" val="3351426"/>
               </p:ext>
             </p:extLst>
           </p:nvPr>
@@ -16104,7 +16104,7 @@
                       <a:pPr algn="ctr"/>
                       <a:r>
                         <a:rPr lang="fr-FR" dirty="0"/>
-                        <a:t>Good </a:t>
+                        <a:t>High </a:t>
                       </a:r>
                     </a:p>
                   </a:txBody>
@@ -16118,7 +16118,7 @@
                       <a:pPr algn="ctr"/>
                       <a:r>
                         <a:rPr lang="fr-FR" dirty="0"/>
-                        <a:t>Good</a:t>
+                        <a:t>High</a:t>
                       </a:r>
                     </a:p>
                   </a:txBody>
@@ -16198,7 +16198,7 @@
                       <a:pPr algn="ctr"/>
                       <a:r>
                         <a:rPr lang="fr-FR" dirty="0"/>
-                        <a:t>Medium: </a:t>
+                        <a:t>Moderate: </a:t>
                       </a:r>
                       <a:r>
                         <a:rPr lang="en-US" noProof="0" dirty="0"/>
@@ -16232,7 +16232,7 @@
                       <a:pPr algn="ctr"/>
                       <a:r>
                         <a:rPr lang="fr-FR" dirty="0"/>
-                        <a:t>Medium: </a:t>
+                        <a:t>Moderate: </a:t>
                       </a:r>
                       <a:r>
                         <a:rPr lang="en-US" noProof="0" dirty="0"/>
@@ -16320,7 +16320,7 @@
                       <a:pPr algn="ctr"/>
                       <a:r>
                         <a:rPr lang="fr-FR" dirty="0"/>
-                        <a:t>Good</a:t>
+                        <a:t>High</a:t>
                       </a:r>
                     </a:p>
                   </a:txBody>
@@ -16406,7 +16406,7 @@
                       <a:pPr algn="ctr"/>
                       <a:r>
                         <a:rPr lang="fr-FR" dirty="0"/>
-                        <a:t>Good: </a:t>
+                        <a:t>High: </a:t>
                       </a:r>
                       <a:r>
                         <a:rPr lang="en-US" noProof="0" dirty="0"/>
@@ -16452,7 +16452,7 @@
                       <a:pPr algn="ctr"/>
                       <a:r>
                         <a:rPr lang="fr-FR" dirty="0"/>
-                        <a:t>Medium: time of the interview</a:t>
+                        <a:t>Moderate: time of the interview</a:t>
                       </a:r>
                     </a:p>
                   </a:txBody>
